--- a/rapport/Matrice MOSCOW.pptx
+++ b/rapport/Matrice MOSCOW.pptx
@@ -1,19 +1,114 @@
 
 <file path=ppt/presentation.xml><?xml version="1.0" encoding="utf-8"?>
-<p:presentation xmlns:a="http://schemas.openxmlformats.org/drawingml/2006/main" xmlns:p="http://schemas.openxmlformats.org/presentationml/2006/main" xmlns:r="http://schemas.openxmlformats.org/officeDocument/2006/relationships" xmlns:p14="http://schemas.microsoft.com/office/powerpoint/2010/main" xmlns:p15="http://schemas.microsoft.com/office/powerpoint/2012/main" xmlns:mc="http://schemas.openxmlformats.org/markup-compatibility/2006">
+<p:presentation xmlns:a="http://schemas.openxmlformats.org/drawingml/2006/main" xmlns:r="http://schemas.openxmlformats.org/officeDocument/2006/relationships" xmlns:p="http://schemas.openxmlformats.org/presentationml/2006/main">
   <p:sldMasterIdLst>
-    <p:sldMasterId id="2147483648" r:id="rId2"/>
+    <p:sldMasterId id="2147483648" r:id="rId1"/>
   </p:sldMasterIdLst>
   <p:sldIdLst>
-    <p:sldId id="256" r:id="rId3"/>
+    <p:sldId id="256" r:id="rId2"/>
   </p:sldIdLst>
   <p:sldSz cx="12192000" cy="6858000"/>
   <p:notesSz cx="7559675" cy="10691813"/>
+  <p:defaultTextStyle>
+    <a:defPPr>
+      <a:defRPr lang="fr-FR"/>
+    </a:defPPr>
+    <a:lvl1pPr marL="0" algn="l" defTabSz="914400" rtl="0" eaLnBrk="1" latinLnBrk="0" hangingPunct="1">
+      <a:defRPr sz="1800" kern="1200">
+        <a:solidFill>
+          <a:schemeClr val="tx1"/>
+        </a:solidFill>
+        <a:latin typeface="+mn-lt"/>
+        <a:ea typeface="+mn-ea"/>
+        <a:cs typeface="+mn-cs"/>
+      </a:defRPr>
+    </a:lvl1pPr>
+    <a:lvl2pPr marL="457200" algn="l" defTabSz="914400" rtl="0" eaLnBrk="1" latinLnBrk="0" hangingPunct="1">
+      <a:defRPr sz="1800" kern="1200">
+        <a:solidFill>
+          <a:schemeClr val="tx1"/>
+        </a:solidFill>
+        <a:latin typeface="+mn-lt"/>
+        <a:ea typeface="+mn-ea"/>
+        <a:cs typeface="+mn-cs"/>
+      </a:defRPr>
+    </a:lvl2pPr>
+    <a:lvl3pPr marL="914400" algn="l" defTabSz="914400" rtl="0" eaLnBrk="1" latinLnBrk="0" hangingPunct="1">
+      <a:defRPr sz="1800" kern="1200">
+        <a:solidFill>
+          <a:schemeClr val="tx1"/>
+        </a:solidFill>
+        <a:latin typeface="+mn-lt"/>
+        <a:ea typeface="+mn-ea"/>
+        <a:cs typeface="+mn-cs"/>
+      </a:defRPr>
+    </a:lvl3pPr>
+    <a:lvl4pPr marL="1371600" algn="l" defTabSz="914400" rtl="0" eaLnBrk="1" latinLnBrk="0" hangingPunct="1">
+      <a:defRPr sz="1800" kern="1200">
+        <a:solidFill>
+          <a:schemeClr val="tx1"/>
+        </a:solidFill>
+        <a:latin typeface="+mn-lt"/>
+        <a:ea typeface="+mn-ea"/>
+        <a:cs typeface="+mn-cs"/>
+      </a:defRPr>
+    </a:lvl4pPr>
+    <a:lvl5pPr marL="1828800" algn="l" defTabSz="914400" rtl="0" eaLnBrk="1" latinLnBrk="0" hangingPunct="1">
+      <a:defRPr sz="1800" kern="1200">
+        <a:solidFill>
+          <a:schemeClr val="tx1"/>
+        </a:solidFill>
+        <a:latin typeface="+mn-lt"/>
+        <a:ea typeface="+mn-ea"/>
+        <a:cs typeface="+mn-cs"/>
+      </a:defRPr>
+    </a:lvl5pPr>
+    <a:lvl6pPr marL="2286000" algn="l" defTabSz="914400" rtl="0" eaLnBrk="1" latinLnBrk="0" hangingPunct="1">
+      <a:defRPr sz="1800" kern="1200">
+        <a:solidFill>
+          <a:schemeClr val="tx1"/>
+        </a:solidFill>
+        <a:latin typeface="+mn-lt"/>
+        <a:ea typeface="+mn-ea"/>
+        <a:cs typeface="+mn-cs"/>
+      </a:defRPr>
+    </a:lvl6pPr>
+    <a:lvl7pPr marL="2743200" algn="l" defTabSz="914400" rtl="0" eaLnBrk="1" latinLnBrk="0" hangingPunct="1">
+      <a:defRPr sz="1800" kern="1200">
+        <a:solidFill>
+          <a:schemeClr val="tx1"/>
+        </a:solidFill>
+        <a:latin typeface="+mn-lt"/>
+        <a:ea typeface="+mn-ea"/>
+        <a:cs typeface="+mn-cs"/>
+      </a:defRPr>
+    </a:lvl7pPr>
+    <a:lvl8pPr marL="3200400" algn="l" defTabSz="914400" rtl="0" eaLnBrk="1" latinLnBrk="0" hangingPunct="1">
+      <a:defRPr sz="1800" kern="1200">
+        <a:solidFill>
+          <a:schemeClr val="tx1"/>
+        </a:solidFill>
+        <a:latin typeface="+mn-lt"/>
+        <a:ea typeface="+mn-ea"/>
+        <a:cs typeface="+mn-cs"/>
+      </a:defRPr>
+    </a:lvl8pPr>
+    <a:lvl9pPr marL="3657600" algn="l" defTabSz="914400" rtl="0" eaLnBrk="1" latinLnBrk="0" hangingPunct="1">
+      <a:defRPr sz="1800" kern="1200">
+        <a:solidFill>
+          <a:schemeClr val="tx1"/>
+        </a:solidFill>
+        <a:latin typeface="+mn-lt"/>
+        <a:ea typeface="+mn-ea"/>
+        <a:cs typeface="+mn-cs"/>
+      </a:defRPr>
+    </a:lvl9pPr>
+  </p:defaultTextStyle>
 </p:presentation>
 </file>
 
 <file path=ppt/slideLayouts/slideLayout1.xml><?xml version="1.0" encoding="utf-8"?>
-<p:sldLayout xmlns:a="http://schemas.openxmlformats.org/drawingml/2006/main" xmlns:p="http://schemas.openxmlformats.org/presentationml/2006/main" xmlns:r="http://schemas.openxmlformats.org/officeDocument/2006/relationships" xmlns:p14="http://schemas.microsoft.com/office/powerpoint/2010/main" xmlns:p15="http://schemas.microsoft.com/office/powerpoint/2012/main" xmlns:mc="http://schemas.openxmlformats.org/markup-compatibility/2006" type="blank" preserve="1">
+<p:sldLayout xmlns:a="http://schemas.openxmlformats.org/drawingml/2006/main" xmlns:r="http://schemas.openxmlformats.org/officeDocument/2006/relationships" xmlns:p="http://schemas.openxmlformats.org/presentationml/2006/main" type="blank" preserve="1">
   <p:cSld name="Blank Slide">
     <p:spTree>
       <p:nvGrpSpPr>
@@ -42,6 +137,7 @@
         <p:spPr/>
         <p:txBody>
           <a:bodyPr/>
+          <a:lstStyle/>
           <a:p>
             <a:r>
               <a:t>Footer</a:t>
@@ -62,10 +158,12 @@
         <p:spPr/>
         <p:txBody>
           <a:bodyPr/>
+          <a:lstStyle/>
           <a:p>
             <a:fld id="{C2DBF780-FE18-45DE-9967-CAA117E97A9C}" type="slidenum">
-              <a:t>&lt;#&gt;</a:t>
+              <a:t>‹N°›</a:t>
             </a:fld>
+            <a:endParaRPr/>
           </a:p>
         </p:txBody>
       </p:sp>
@@ -82,21 +180,22 @@
         <p:spPr/>
         <p:txBody>
           <a:bodyPr/>
-          <a:p>
-            <a:r>
-              <a:rPr lang="fr-FR"/>
-              <a:t/>
-            </a:r>
+          <a:lstStyle/>
+          <a:p>
+            <a:endParaRPr/>
           </a:p>
         </p:txBody>
       </p:sp>
     </p:spTree>
   </p:cSld>
+  <p:clrMapOvr>
+    <a:masterClrMapping/>
+  </p:clrMapOvr>
 </p:sldLayout>
 </file>
 
 <file path=ppt/slideLayouts/slideLayout10.xml><?xml version="1.0" encoding="utf-8"?>
-<p:sldLayout xmlns:a="http://schemas.openxmlformats.org/drawingml/2006/main" xmlns:p="http://schemas.openxmlformats.org/presentationml/2006/main" xmlns:r="http://schemas.openxmlformats.org/officeDocument/2006/relationships" xmlns:p14="http://schemas.microsoft.com/office/powerpoint/2010/main" xmlns:p15="http://schemas.microsoft.com/office/powerpoint/2012/main" xmlns:mc="http://schemas.openxmlformats.org/markup-compatibility/2006" type="objOverTx" preserve="1">
+<p:sldLayout xmlns:a="http://schemas.openxmlformats.org/drawingml/2006/main" xmlns:r="http://schemas.openxmlformats.org/officeDocument/2006/relationships" xmlns:p="http://schemas.openxmlformats.org/presentationml/2006/main" type="objOverTx" preserve="1">
   <p:cSld name="Title, Content over Content">
     <p:spTree>
       <p:nvGrpSpPr>
@@ -136,14 +235,15 @@
           </a:ln>
         </p:spPr>
         <p:txBody>
-          <a:bodyPr lIns="0" rIns="0" tIns="0" bIns="0" anchor="ctr">
+          <a:bodyPr lIns="0" tIns="0" rIns="0" bIns="0" anchor="ctr">
             <a:noAutofit/>
           </a:bodyPr>
+          <a:lstStyle/>
           <a:p>
             <a:pPr indent="0">
               <a:buNone/>
             </a:pPr>
-            <a:endParaRPr b="0" lang="fr-FR" sz="1800" spc="-1" strike="noStrike">
+            <a:endParaRPr lang="fr-FR" sz="1800" b="0" strike="noStrike" spc="-1">
               <a:solidFill>
                 <a:srgbClr val="000000"/>
               </a:solidFill>
@@ -176,9 +276,10 @@
           </a:ln>
         </p:spPr>
         <p:txBody>
-          <a:bodyPr lIns="0" rIns="0" tIns="0" bIns="0" anchor="t">
+          <a:bodyPr lIns="0" tIns="0" rIns="0" bIns="0" anchor="t">
             <a:normAutofit/>
           </a:bodyPr>
+          <a:lstStyle/>
           <a:p>
             <a:pPr indent="0">
               <a:lnSpc>
@@ -189,7 +290,7 @@
               </a:spcBef>
               <a:buNone/>
             </a:pPr>
-            <a:endParaRPr b="0" lang="fr-FR" sz="2800" spc="-1" strike="noStrike">
+            <a:endParaRPr lang="fr-FR" sz="2800" b="0" strike="noStrike" spc="-1">
               <a:solidFill>
                 <a:srgbClr val="000000"/>
               </a:solidFill>
@@ -222,9 +323,10 @@
           </a:ln>
         </p:spPr>
         <p:txBody>
-          <a:bodyPr lIns="0" rIns="0" tIns="0" bIns="0" anchor="t">
+          <a:bodyPr lIns="0" tIns="0" rIns="0" bIns="0" anchor="t">
             <a:normAutofit/>
           </a:bodyPr>
+          <a:lstStyle/>
           <a:p>
             <a:pPr indent="0">
               <a:lnSpc>
@@ -235,7 +337,7 @@
               </a:spcBef>
               <a:buNone/>
             </a:pPr>
-            <a:endParaRPr b="0" lang="fr-FR" sz="2800" spc="-1" strike="noStrike">
+            <a:endParaRPr lang="fr-FR" sz="2800" b="0" strike="noStrike" spc="-1">
               <a:solidFill>
                 <a:srgbClr val="000000"/>
               </a:solidFill>
@@ -257,6 +359,7 @@
         <p:spPr/>
         <p:txBody>
           <a:bodyPr/>
+          <a:lstStyle/>
           <a:p>
             <a:r>
               <a:t>Footer</a:t>
@@ -277,10 +380,12 @@
         <p:spPr/>
         <p:txBody>
           <a:bodyPr/>
+          <a:lstStyle/>
           <a:p>
             <a:fld id="{4E7A97AD-21D1-4258-B75D-FC357C5ACC3E}" type="slidenum">
-              <a:t>&lt;#&gt;</a:t>
+              <a:t>‹N°›</a:t>
             </a:fld>
+            <a:endParaRPr/>
           </a:p>
         </p:txBody>
       </p:sp>
@@ -297,21 +402,22 @@
         <p:spPr/>
         <p:txBody>
           <a:bodyPr/>
-          <a:p>
-            <a:r>
-              <a:rPr lang="fr-FR"/>
-              <a:t/>
-            </a:r>
+          <a:lstStyle/>
+          <a:p>
+            <a:endParaRPr/>
           </a:p>
         </p:txBody>
       </p:sp>
     </p:spTree>
   </p:cSld>
+  <p:clrMapOvr>
+    <a:masterClrMapping/>
+  </p:clrMapOvr>
 </p:sldLayout>
 </file>
 
 <file path=ppt/slideLayouts/slideLayout11.xml><?xml version="1.0" encoding="utf-8"?>
-<p:sldLayout xmlns:a="http://schemas.openxmlformats.org/drawingml/2006/main" xmlns:p="http://schemas.openxmlformats.org/presentationml/2006/main" xmlns:r="http://schemas.openxmlformats.org/officeDocument/2006/relationships" xmlns:p14="http://schemas.microsoft.com/office/powerpoint/2010/main" xmlns:p15="http://schemas.microsoft.com/office/powerpoint/2012/main" xmlns:mc="http://schemas.openxmlformats.org/markup-compatibility/2006" type="fourObj" preserve="1">
+<p:sldLayout xmlns:a="http://schemas.openxmlformats.org/drawingml/2006/main" xmlns:r="http://schemas.openxmlformats.org/officeDocument/2006/relationships" xmlns:p="http://schemas.openxmlformats.org/presentationml/2006/main" type="fourObj" preserve="1">
   <p:cSld name="Title, 4 Content">
     <p:spTree>
       <p:nvGrpSpPr>
@@ -351,14 +457,15 @@
           </a:ln>
         </p:spPr>
         <p:txBody>
-          <a:bodyPr lIns="0" rIns="0" tIns="0" bIns="0" anchor="ctr">
+          <a:bodyPr lIns="0" tIns="0" rIns="0" bIns="0" anchor="ctr">
             <a:noAutofit/>
           </a:bodyPr>
+          <a:lstStyle/>
           <a:p>
             <a:pPr indent="0">
               <a:buNone/>
             </a:pPr>
-            <a:endParaRPr b="0" lang="fr-FR" sz="1800" spc="-1" strike="noStrike">
+            <a:endParaRPr lang="fr-FR" sz="1800" b="0" strike="noStrike" spc="-1">
               <a:solidFill>
                 <a:srgbClr val="000000"/>
               </a:solidFill>
@@ -391,9 +498,10 @@
           </a:ln>
         </p:spPr>
         <p:txBody>
-          <a:bodyPr lIns="0" rIns="0" tIns="0" bIns="0" anchor="t">
+          <a:bodyPr lIns="0" tIns="0" rIns="0" bIns="0" anchor="t">
             <a:normAutofit/>
           </a:bodyPr>
+          <a:lstStyle/>
           <a:p>
             <a:pPr indent="0">
               <a:lnSpc>
@@ -404,7 +512,7 @@
               </a:spcBef>
               <a:buNone/>
             </a:pPr>
-            <a:endParaRPr b="0" lang="fr-FR" sz="2800" spc="-1" strike="noStrike">
+            <a:endParaRPr lang="fr-FR" sz="2800" b="0" strike="noStrike" spc="-1">
               <a:solidFill>
                 <a:srgbClr val="000000"/>
               </a:solidFill>
@@ -437,9 +545,10 @@
           </a:ln>
         </p:spPr>
         <p:txBody>
-          <a:bodyPr lIns="0" rIns="0" tIns="0" bIns="0" anchor="t">
+          <a:bodyPr lIns="0" tIns="0" rIns="0" bIns="0" anchor="t">
             <a:normAutofit/>
           </a:bodyPr>
+          <a:lstStyle/>
           <a:p>
             <a:pPr indent="0">
               <a:lnSpc>
@@ -450,7 +559,7 @@
               </a:spcBef>
               <a:buNone/>
             </a:pPr>
-            <a:endParaRPr b="0" lang="fr-FR" sz="2800" spc="-1" strike="noStrike">
+            <a:endParaRPr lang="fr-FR" sz="2800" b="0" strike="noStrike" spc="-1">
               <a:solidFill>
                 <a:srgbClr val="000000"/>
               </a:solidFill>
@@ -483,9 +592,10 @@
           </a:ln>
         </p:spPr>
         <p:txBody>
-          <a:bodyPr lIns="0" rIns="0" tIns="0" bIns="0" anchor="t">
+          <a:bodyPr lIns="0" tIns="0" rIns="0" bIns="0" anchor="t">
             <a:normAutofit/>
           </a:bodyPr>
+          <a:lstStyle/>
           <a:p>
             <a:pPr indent="0">
               <a:lnSpc>
@@ -496,7 +606,7 @@
               </a:spcBef>
               <a:buNone/>
             </a:pPr>
-            <a:endParaRPr b="0" lang="fr-FR" sz="2800" spc="-1" strike="noStrike">
+            <a:endParaRPr lang="fr-FR" sz="2800" b="0" strike="noStrike" spc="-1">
               <a:solidFill>
                 <a:srgbClr val="000000"/>
               </a:solidFill>
@@ -529,9 +639,10 @@
           </a:ln>
         </p:spPr>
         <p:txBody>
-          <a:bodyPr lIns="0" rIns="0" tIns="0" bIns="0" anchor="t">
+          <a:bodyPr lIns="0" tIns="0" rIns="0" bIns="0" anchor="t">
             <a:normAutofit/>
           </a:bodyPr>
+          <a:lstStyle/>
           <a:p>
             <a:pPr indent="0">
               <a:lnSpc>
@@ -542,7 +653,7 @@
               </a:spcBef>
               <a:buNone/>
             </a:pPr>
-            <a:endParaRPr b="0" lang="fr-FR" sz="2800" spc="-1" strike="noStrike">
+            <a:endParaRPr lang="fr-FR" sz="2800" b="0" strike="noStrike" spc="-1">
               <a:solidFill>
                 <a:srgbClr val="000000"/>
               </a:solidFill>
@@ -564,6 +675,7 @@
         <p:spPr/>
         <p:txBody>
           <a:bodyPr/>
+          <a:lstStyle/>
           <a:p>
             <a:r>
               <a:t>Footer</a:t>
@@ -584,10 +696,12 @@
         <p:spPr/>
         <p:txBody>
           <a:bodyPr/>
+          <a:lstStyle/>
           <a:p>
             <a:fld id="{8995670A-0CC9-4FF8-AD5A-10F957A6C6C9}" type="slidenum">
-              <a:t>&lt;#&gt;</a:t>
+              <a:t>‹N°›</a:t>
             </a:fld>
+            <a:endParaRPr/>
           </a:p>
         </p:txBody>
       </p:sp>
@@ -604,21 +718,22 @@
         <p:spPr/>
         <p:txBody>
           <a:bodyPr/>
-          <a:p>
-            <a:r>
-              <a:rPr lang="fr-FR"/>
-              <a:t/>
-            </a:r>
+          <a:lstStyle/>
+          <a:p>
+            <a:endParaRPr/>
           </a:p>
         </p:txBody>
       </p:sp>
     </p:spTree>
   </p:cSld>
+  <p:clrMapOvr>
+    <a:masterClrMapping/>
+  </p:clrMapOvr>
 </p:sldLayout>
 </file>
 
 <file path=ppt/slideLayouts/slideLayout12.xml><?xml version="1.0" encoding="utf-8"?>
-<p:sldLayout xmlns:a="http://schemas.openxmlformats.org/drawingml/2006/main" xmlns:p="http://schemas.openxmlformats.org/presentationml/2006/main" xmlns:r="http://schemas.openxmlformats.org/officeDocument/2006/relationships" xmlns:p14="http://schemas.microsoft.com/office/powerpoint/2010/main" xmlns:p15="http://schemas.microsoft.com/office/powerpoint/2012/main" xmlns:mc="http://schemas.openxmlformats.org/markup-compatibility/2006" type="blank" preserve="1">
+<p:sldLayout xmlns:a="http://schemas.openxmlformats.org/drawingml/2006/main" xmlns:r="http://schemas.openxmlformats.org/officeDocument/2006/relationships" xmlns:p="http://schemas.openxmlformats.org/presentationml/2006/main" type="blank" preserve="1">
   <p:cSld name="Title, 6 Content">
     <p:spTree>
       <p:nvGrpSpPr>
@@ -658,14 +773,15 @@
           </a:ln>
         </p:spPr>
         <p:txBody>
-          <a:bodyPr lIns="0" rIns="0" tIns="0" bIns="0" anchor="ctr">
+          <a:bodyPr lIns="0" tIns="0" rIns="0" bIns="0" anchor="ctr">
             <a:noAutofit/>
           </a:bodyPr>
+          <a:lstStyle/>
           <a:p>
             <a:pPr indent="0">
               <a:buNone/>
             </a:pPr>
-            <a:endParaRPr b="0" lang="fr-FR" sz="1800" spc="-1" strike="noStrike">
+            <a:endParaRPr lang="fr-FR" sz="1800" b="0" strike="noStrike" spc="-1">
               <a:solidFill>
                 <a:srgbClr val="000000"/>
               </a:solidFill>
@@ -698,9 +814,10 @@
           </a:ln>
         </p:spPr>
         <p:txBody>
-          <a:bodyPr lIns="0" rIns="0" tIns="0" bIns="0" anchor="t">
+          <a:bodyPr lIns="0" tIns="0" rIns="0" bIns="0" anchor="t">
             <a:normAutofit/>
           </a:bodyPr>
+          <a:lstStyle/>
           <a:p>
             <a:pPr indent="0">
               <a:lnSpc>
@@ -711,7 +828,7 @@
               </a:spcBef>
               <a:buNone/>
             </a:pPr>
-            <a:endParaRPr b="0" lang="fr-FR" sz="2800" spc="-1" strike="noStrike">
+            <a:endParaRPr lang="fr-FR" sz="2800" b="0" strike="noStrike" spc="-1">
               <a:solidFill>
                 <a:srgbClr val="000000"/>
               </a:solidFill>
@@ -744,9 +861,10 @@
           </a:ln>
         </p:spPr>
         <p:txBody>
-          <a:bodyPr lIns="0" rIns="0" tIns="0" bIns="0" anchor="t">
+          <a:bodyPr lIns="0" tIns="0" rIns="0" bIns="0" anchor="t">
             <a:normAutofit/>
           </a:bodyPr>
+          <a:lstStyle/>
           <a:p>
             <a:pPr indent="0">
               <a:lnSpc>
@@ -757,7 +875,7 @@
               </a:spcBef>
               <a:buNone/>
             </a:pPr>
-            <a:endParaRPr b="0" lang="fr-FR" sz="2800" spc="-1" strike="noStrike">
+            <a:endParaRPr lang="fr-FR" sz="2800" b="0" strike="noStrike" spc="-1">
               <a:solidFill>
                 <a:srgbClr val="000000"/>
               </a:solidFill>
@@ -790,9 +908,10 @@
           </a:ln>
         </p:spPr>
         <p:txBody>
-          <a:bodyPr lIns="0" rIns="0" tIns="0" bIns="0" anchor="t">
+          <a:bodyPr lIns="0" tIns="0" rIns="0" bIns="0" anchor="t">
             <a:normAutofit/>
           </a:bodyPr>
+          <a:lstStyle/>
           <a:p>
             <a:pPr indent="0">
               <a:lnSpc>
@@ -803,7 +922,7 @@
               </a:spcBef>
               <a:buNone/>
             </a:pPr>
-            <a:endParaRPr b="0" lang="fr-FR" sz="2800" spc="-1" strike="noStrike">
+            <a:endParaRPr lang="fr-FR" sz="2800" b="0" strike="noStrike" spc="-1">
               <a:solidFill>
                 <a:srgbClr val="000000"/>
               </a:solidFill>
@@ -836,9 +955,10 @@
           </a:ln>
         </p:spPr>
         <p:txBody>
-          <a:bodyPr lIns="0" rIns="0" tIns="0" bIns="0" anchor="t">
+          <a:bodyPr lIns="0" tIns="0" rIns="0" bIns="0" anchor="t">
             <a:normAutofit/>
           </a:bodyPr>
+          <a:lstStyle/>
           <a:p>
             <a:pPr indent="0">
               <a:lnSpc>
@@ -849,7 +969,7 @@
               </a:spcBef>
               <a:buNone/>
             </a:pPr>
-            <a:endParaRPr b="0" lang="fr-FR" sz="2800" spc="-1" strike="noStrike">
+            <a:endParaRPr lang="fr-FR" sz="2800" b="0" strike="noStrike" spc="-1">
               <a:solidFill>
                 <a:srgbClr val="000000"/>
               </a:solidFill>
@@ -882,9 +1002,10 @@
           </a:ln>
         </p:spPr>
         <p:txBody>
-          <a:bodyPr lIns="0" rIns="0" tIns="0" bIns="0" anchor="t">
+          <a:bodyPr lIns="0" tIns="0" rIns="0" bIns="0" anchor="t">
             <a:normAutofit/>
           </a:bodyPr>
+          <a:lstStyle/>
           <a:p>
             <a:pPr indent="0">
               <a:lnSpc>
@@ -895,7 +1016,7 @@
               </a:spcBef>
               <a:buNone/>
             </a:pPr>
-            <a:endParaRPr b="0" lang="fr-FR" sz="2800" spc="-1" strike="noStrike">
+            <a:endParaRPr lang="fr-FR" sz="2800" b="0" strike="noStrike" spc="-1">
               <a:solidFill>
                 <a:srgbClr val="000000"/>
               </a:solidFill>
@@ -928,9 +1049,10 @@
           </a:ln>
         </p:spPr>
         <p:txBody>
-          <a:bodyPr lIns="0" rIns="0" tIns="0" bIns="0" anchor="t">
+          <a:bodyPr lIns="0" tIns="0" rIns="0" bIns="0" anchor="t">
             <a:normAutofit/>
           </a:bodyPr>
+          <a:lstStyle/>
           <a:p>
             <a:pPr indent="0">
               <a:lnSpc>
@@ -941,7 +1063,7 @@
               </a:spcBef>
               <a:buNone/>
             </a:pPr>
-            <a:endParaRPr b="0" lang="fr-FR" sz="2800" spc="-1" strike="noStrike">
+            <a:endParaRPr lang="fr-FR" sz="2800" b="0" strike="noStrike" spc="-1">
               <a:solidFill>
                 <a:srgbClr val="000000"/>
               </a:solidFill>
@@ -963,6 +1085,7 @@
         <p:spPr/>
         <p:txBody>
           <a:bodyPr/>
+          <a:lstStyle/>
           <a:p>
             <a:r>
               <a:t>Footer</a:t>
@@ -983,10 +1106,12 @@
         <p:spPr/>
         <p:txBody>
           <a:bodyPr/>
+          <a:lstStyle/>
           <a:p>
             <a:fld id="{1A76A8F6-566B-40CC-93A9-BF06E8894B76}" type="slidenum">
-              <a:t>&lt;#&gt;</a:t>
+              <a:t>‹N°›</a:t>
             </a:fld>
+            <a:endParaRPr/>
           </a:p>
         </p:txBody>
       </p:sp>
@@ -1003,21 +1128,22 @@
         <p:spPr/>
         <p:txBody>
           <a:bodyPr/>
-          <a:p>
-            <a:r>
-              <a:rPr lang="fr-FR"/>
-              <a:t/>
-            </a:r>
+          <a:lstStyle/>
+          <a:p>
+            <a:endParaRPr/>
           </a:p>
         </p:txBody>
       </p:sp>
     </p:spTree>
   </p:cSld>
+  <p:clrMapOvr>
+    <a:masterClrMapping/>
+  </p:clrMapOvr>
 </p:sldLayout>
 </file>
 
 <file path=ppt/slideLayouts/slideLayout2.xml><?xml version="1.0" encoding="utf-8"?>
-<p:sldLayout xmlns:a="http://schemas.openxmlformats.org/drawingml/2006/main" xmlns:p="http://schemas.openxmlformats.org/presentationml/2006/main" xmlns:r="http://schemas.openxmlformats.org/officeDocument/2006/relationships" xmlns:p14="http://schemas.microsoft.com/office/powerpoint/2010/main" xmlns:p15="http://schemas.microsoft.com/office/powerpoint/2012/main" xmlns:mc="http://schemas.openxmlformats.org/markup-compatibility/2006" type="tx" preserve="1">
+<p:sldLayout xmlns:a="http://schemas.openxmlformats.org/drawingml/2006/main" xmlns:r="http://schemas.openxmlformats.org/officeDocument/2006/relationships" xmlns:p="http://schemas.openxmlformats.org/presentationml/2006/main" type="tx" preserve="1">
   <p:cSld name="Title Slide">
     <p:spTree>
       <p:nvGrpSpPr>
@@ -1057,14 +1183,15 @@
           </a:ln>
         </p:spPr>
         <p:txBody>
-          <a:bodyPr lIns="0" rIns="0" tIns="0" bIns="0" anchor="ctr">
+          <a:bodyPr lIns="0" tIns="0" rIns="0" bIns="0" anchor="ctr">
             <a:noAutofit/>
           </a:bodyPr>
+          <a:lstStyle/>
           <a:p>
             <a:pPr indent="0">
               <a:buNone/>
             </a:pPr>
-            <a:endParaRPr b="0" lang="fr-FR" sz="1800" spc="-1" strike="noStrike">
+            <a:endParaRPr lang="fr-FR" sz="1800" b="0" strike="noStrike" spc="-1">
               <a:solidFill>
                 <a:srgbClr val="000000"/>
               </a:solidFill>
@@ -1097,14 +1224,15 @@
           </a:ln>
         </p:spPr>
         <p:txBody>
-          <a:bodyPr lIns="0" rIns="0" tIns="0" bIns="0" anchor="ctr">
+          <a:bodyPr lIns="0" tIns="0" rIns="0" bIns="0" anchor="ctr">
             <a:noAutofit/>
           </a:bodyPr>
+          <a:lstStyle/>
           <a:p>
             <a:pPr indent="0" algn="ctr">
               <a:buNone/>
             </a:pPr>
-            <a:endParaRPr b="0" lang="fr-FR" sz="3200" spc="-1" strike="noStrike">
+            <a:endParaRPr lang="fr-FR" sz="3200" b="0" strike="noStrike" spc="-1">
               <a:solidFill>
                 <a:srgbClr val="000000"/>
               </a:solidFill>
@@ -1115,7 +1243,7 @@
       </p:sp>
       <p:sp>
         <p:nvSpPr>
-          <p:cNvPr id="4" name="PlaceHolder 3"/>
+          <p:cNvPr id="2" name="PlaceHolder 3"/>
           <p:cNvSpPr>
             <a:spLocks noGrp="1"/>
           </p:cNvSpPr>
@@ -1126,6 +1254,7 @@
         <p:spPr/>
         <p:txBody>
           <a:bodyPr/>
+          <a:lstStyle/>
           <a:p>
             <a:r>
               <a:t>Footer</a:t>
@@ -1135,7 +1264,7 @@
       </p:sp>
       <p:sp>
         <p:nvSpPr>
-          <p:cNvPr id="5" name="PlaceHolder 4"/>
+          <p:cNvPr id="3" name="PlaceHolder 4"/>
           <p:cNvSpPr>
             <a:spLocks noGrp="1"/>
           </p:cNvSpPr>
@@ -1146,10 +1275,12 @@
         <p:spPr/>
         <p:txBody>
           <a:bodyPr/>
+          <a:lstStyle/>
           <a:p>
             <a:fld id="{93A24003-7099-4878-B285-9E12EDB78E48}" type="slidenum">
-              <a:t>&lt;#&gt;</a:t>
+              <a:t>‹N°›</a:t>
             </a:fld>
+            <a:endParaRPr/>
           </a:p>
         </p:txBody>
       </p:sp>
@@ -1166,21 +1297,22 @@
         <p:spPr/>
         <p:txBody>
           <a:bodyPr/>
-          <a:p>
-            <a:r>
-              <a:rPr lang="fr-FR"/>
-              <a:t/>
-            </a:r>
+          <a:lstStyle/>
+          <a:p>
+            <a:endParaRPr/>
           </a:p>
         </p:txBody>
       </p:sp>
     </p:spTree>
   </p:cSld>
+  <p:clrMapOvr>
+    <a:masterClrMapping/>
+  </p:clrMapOvr>
 </p:sldLayout>
 </file>
 
 <file path=ppt/slideLayouts/slideLayout3.xml><?xml version="1.0" encoding="utf-8"?>
-<p:sldLayout xmlns:a="http://schemas.openxmlformats.org/drawingml/2006/main" xmlns:p="http://schemas.openxmlformats.org/presentationml/2006/main" xmlns:r="http://schemas.openxmlformats.org/officeDocument/2006/relationships" xmlns:p14="http://schemas.microsoft.com/office/powerpoint/2010/main" xmlns:p15="http://schemas.microsoft.com/office/powerpoint/2012/main" xmlns:mc="http://schemas.openxmlformats.org/markup-compatibility/2006" type="obj" preserve="1">
+<p:sldLayout xmlns:a="http://schemas.openxmlformats.org/drawingml/2006/main" xmlns:r="http://schemas.openxmlformats.org/officeDocument/2006/relationships" xmlns:p="http://schemas.openxmlformats.org/presentationml/2006/main" type="obj" preserve="1">
   <p:cSld name="Title, Content">
     <p:spTree>
       <p:nvGrpSpPr>
@@ -1220,14 +1352,15 @@
           </a:ln>
         </p:spPr>
         <p:txBody>
-          <a:bodyPr lIns="0" rIns="0" tIns="0" bIns="0" anchor="ctr">
+          <a:bodyPr lIns="0" tIns="0" rIns="0" bIns="0" anchor="ctr">
             <a:noAutofit/>
           </a:bodyPr>
+          <a:lstStyle/>
           <a:p>
             <a:pPr indent="0">
               <a:buNone/>
             </a:pPr>
-            <a:endParaRPr b="0" lang="fr-FR" sz="1800" spc="-1" strike="noStrike">
+            <a:endParaRPr lang="fr-FR" sz="1800" b="0" strike="noStrike" spc="-1">
               <a:solidFill>
                 <a:srgbClr val="000000"/>
               </a:solidFill>
@@ -1260,9 +1393,10 @@
           </a:ln>
         </p:spPr>
         <p:txBody>
-          <a:bodyPr lIns="0" rIns="0" tIns="0" bIns="0" anchor="t">
+          <a:bodyPr lIns="0" tIns="0" rIns="0" bIns="0" anchor="t">
             <a:normAutofit/>
           </a:bodyPr>
+          <a:lstStyle/>
           <a:p>
             <a:pPr indent="0">
               <a:lnSpc>
@@ -1273,7 +1407,7 @@
               </a:spcBef>
               <a:buNone/>
             </a:pPr>
-            <a:endParaRPr b="0" lang="fr-FR" sz="2800" spc="-1" strike="noStrike">
+            <a:endParaRPr lang="fr-FR" sz="2800" b="0" strike="noStrike" spc="-1">
               <a:solidFill>
                 <a:srgbClr val="000000"/>
               </a:solidFill>
@@ -1295,6 +1429,7 @@
         <p:spPr/>
         <p:txBody>
           <a:bodyPr/>
+          <a:lstStyle/>
           <a:p>
             <a:r>
               <a:t>Footer</a:t>
@@ -1315,16 +1450,18 @@
         <p:spPr/>
         <p:txBody>
           <a:bodyPr/>
+          <a:lstStyle/>
           <a:p>
             <a:fld id="{64F09479-1658-4937-AA4B-3F411E076A59}" type="slidenum">
-              <a:t>&lt;#&gt;</a:t>
+              <a:t>‹N°›</a:t>
             </a:fld>
-          </a:p>
-        </p:txBody>
-      </p:sp>
-      <p:sp>
-        <p:nvSpPr>
-          <p:cNvPr id="6" name="PlaceHolder 5"/>
+            <a:endParaRPr/>
+          </a:p>
+        </p:txBody>
+      </p:sp>
+      <p:sp>
+        <p:nvSpPr>
+          <p:cNvPr id="2" name="PlaceHolder 5"/>
           <p:cNvSpPr>
             <a:spLocks noGrp="1"/>
           </p:cNvSpPr>
@@ -1335,21 +1472,22 @@
         <p:spPr/>
         <p:txBody>
           <a:bodyPr/>
-          <a:p>
-            <a:r>
-              <a:rPr lang="fr-FR"/>
-              <a:t/>
-            </a:r>
+          <a:lstStyle/>
+          <a:p>
+            <a:endParaRPr/>
           </a:p>
         </p:txBody>
       </p:sp>
     </p:spTree>
   </p:cSld>
+  <p:clrMapOvr>
+    <a:masterClrMapping/>
+  </p:clrMapOvr>
 </p:sldLayout>
 </file>
 
 <file path=ppt/slideLayouts/slideLayout4.xml><?xml version="1.0" encoding="utf-8"?>
-<p:sldLayout xmlns:a="http://schemas.openxmlformats.org/drawingml/2006/main" xmlns:p="http://schemas.openxmlformats.org/presentationml/2006/main" xmlns:r="http://schemas.openxmlformats.org/officeDocument/2006/relationships" xmlns:p14="http://schemas.microsoft.com/office/powerpoint/2010/main" xmlns:p15="http://schemas.microsoft.com/office/powerpoint/2012/main" xmlns:mc="http://schemas.openxmlformats.org/markup-compatibility/2006" type="twoObj" preserve="1">
+<p:sldLayout xmlns:a="http://schemas.openxmlformats.org/drawingml/2006/main" xmlns:r="http://schemas.openxmlformats.org/officeDocument/2006/relationships" xmlns:p="http://schemas.openxmlformats.org/presentationml/2006/main" type="twoObj" preserve="1">
   <p:cSld name="Title, 2 Content">
     <p:spTree>
       <p:nvGrpSpPr>
@@ -1389,14 +1527,15 @@
           </a:ln>
         </p:spPr>
         <p:txBody>
-          <a:bodyPr lIns="0" rIns="0" tIns="0" bIns="0" anchor="ctr">
+          <a:bodyPr lIns="0" tIns="0" rIns="0" bIns="0" anchor="ctr">
             <a:noAutofit/>
           </a:bodyPr>
+          <a:lstStyle/>
           <a:p>
             <a:pPr indent="0">
               <a:buNone/>
             </a:pPr>
-            <a:endParaRPr b="0" lang="fr-FR" sz="1800" spc="-1" strike="noStrike">
+            <a:endParaRPr lang="fr-FR" sz="1800" b="0" strike="noStrike" spc="-1">
               <a:solidFill>
                 <a:srgbClr val="000000"/>
               </a:solidFill>
@@ -1429,9 +1568,10 @@
           </a:ln>
         </p:spPr>
         <p:txBody>
-          <a:bodyPr lIns="0" rIns="0" tIns="0" bIns="0" anchor="t">
+          <a:bodyPr lIns="0" tIns="0" rIns="0" bIns="0" anchor="t">
             <a:normAutofit/>
           </a:bodyPr>
+          <a:lstStyle/>
           <a:p>
             <a:pPr indent="0">
               <a:lnSpc>
@@ -1442,7 +1582,7 @@
               </a:spcBef>
               <a:buNone/>
             </a:pPr>
-            <a:endParaRPr b="0" lang="fr-FR" sz="2800" spc="-1" strike="noStrike">
+            <a:endParaRPr lang="fr-FR" sz="2800" b="0" strike="noStrike" spc="-1">
               <a:solidFill>
                 <a:srgbClr val="000000"/>
               </a:solidFill>
@@ -1475,9 +1615,10 @@
           </a:ln>
         </p:spPr>
         <p:txBody>
-          <a:bodyPr lIns="0" rIns="0" tIns="0" bIns="0" anchor="t">
+          <a:bodyPr lIns="0" tIns="0" rIns="0" bIns="0" anchor="t">
             <a:normAutofit/>
           </a:bodyPr>
+          <a:lstStyle/>
           <a:p>
             <a:pPr indent="0">
               <a:lnSpc>
@@ -1488,7 +1629,7 @@
               </a:spcBef>
               <a:buNone/>
             </a:pPr>
-            <a:endParaRPr b="0" lang="fr-FR" sz="2800" spc="-1" strike="noStrike">
+            <a:endParaRPr lang="fr-FR" sz="2800" b="0" strike="noStrike" spc="-1">
               <a:solidFill>
                 <a:srgbClr val="000000"/>
               </a:solidFill>
@@ -1510,6 +1651,7 @@
         <p:spPr/>
         <p:txBody>
           <a:bodyPr/>
+          <a:lstStyle/>
           <a:p>
             <a:r>
               <a:t>Footer</a:t>
@@ -1530,10 +1672,12 @@
         <p:spPr/>
         <p:txBody>
           <a:bodyPr/>
+          <a:lstStyle/>
           <a:p>
             <a:fld id="{D7E976BC-22C8-40A9-8B63-28776A3ECF2B}" type="slidenum">
-              <a:t>&lt;#&gt;</a:t>
+              <a:t>‹N°›</a:t>
             </a:fld>
+            <a:endParaRPr/>
           </a:p>
         </p:txBody>
       </p:sp>
@@ -1550,21 +1694,22 @@
         <p:spPr/>
         <p:txBody>
           <a:bodyPr/>
-          <a:p>
-            <a:r>
-              <a:rPr lang="fr-FR"/>
-              <a:t/>
-            </a:r>
+          <a:lstStyle/>
+          <a:p>
+            <a:endParaRPr/>
           </a:p>
         </p:txBody>
       </p:sp>
     </p:spTree>
   </p:cSld>
+  <p:clrMapOvr>
+    <a:masterClrMapping/>
+  </p:clrMapOvr>
 </p:sldLayout>
 </file>
 
 <file path=ppt/slideLayouts/slideLayout5.xml><?xml version="1.0" encoding="utf-8"?>
-<p:sldLayout xmlns:a="http://schemas.openxmlformats.org/drawingml/2006/main" xmlns:p="http://schemas.openxmlformats.org/presentationml/2006/main" xmlns:r="http://schemas.openxmlformats.org/officeDocument/2006/relationships" xmlns:p14="http://schemas.microsoft.com/office/powerpoint/2010/main" xmlns:p15="http://schemas.microsoft.com/office/powerpoint/2012/main" xmlns:mc="http://schemas.openxmlformats.org/markup-compatibility/2006" type="titleOnly" preserve="1">
+<p:sldLayout xmlns:a="http://schemas.openxmlformats.org/drawingml/2006/main" xmlns:r="http://schemas.openxmlformats.org/officeDocument/2006/relationships" xmlns:p="http://schemas.openxmlformats.org/presentationml/2006/main" type="titleOnly" preserve="1">
   <p:cSld name="Title Only">
     <p:spTree>
       <p:nvGrpSpPr>
@@ -1604,14 +1749,15 @@
           </a:ln>
         </p:spPr>
         <p:txBody>
-          <a:bodyPr lIns="0" rIns="0" tIns="0" bIns="0" anchor="ctr">
+          <a:bodyPr lIns="0" tIns="0" rIns="0" bIns="0" anchor="ctr">
             <a:noAutofit/>
           </a:bodyPr>
+          <a:lstStyle/>
           <a:p>
             <a:pPr indent="0">
               <a:buNone/>
             </a:pPr>
-            <a:endParaRPr b="0" lang="fr-FR" sz="1800" spc="-1" strike="noStrike">
+            <a:endParaRPr lang="fr-FR" sz="1800" b="0" strike="noStrike" spc="-1">
               <a:solidFill>
                 <a:srgbClr val="000000"/>
               </a:solidFill>
@@ -1633,6 +1779,7 @@
         <p:spPr/>
         <p:txBody>
           <a:bodyPr/>
+          <a:lstStyle/>
           <a:p>
             <a:r>
               <a:t>Footer</a:t>
@@ -1653,10 +1800,12 @@
         <p:spPr/>
         <p:txBody>
           <a:bodyPr/>
+          <a:lstStyle/>
           <a:p>
             <a:fld id="{B7E67B3D-5133-42B4-BCEB-058587A18C47}" type="slidenum">
-              <a:t>&lt;#&gt;</a:t>
+              <a:t>‹N°›</a:t>
             </a:fld>
+            <a:endParaRPr/>
           </a:p>
         </p:txBody>
       </p:sp>
@@ -1673,21 +1822,22 @@
         <p:spPr/>
         <p:txBody>
           <a:bodyPr/>
-          <a:p>
-            <a:r>
-              <a:rPr lang="fr-FR"/>
-              <a:t/>
-            </a:r>
+          <a:lstStyle/>
+          <a:p>
+            <a:endParaRPr/>
           </a:p>
         </p:txBody>
       </p:sp>
     </p:spTree>
   </p:cSld>
+  <p:clrMapOvr>
+    <a:masterClrMapping/>
+  </p:clrMapOvr>
 </p:sldLayout>
 </file>
 
 <file path=ppt/slideLayouts/slideLayout6.xml><?xml version="1.0" encoding="utf-8"?>
-<p:sldLayout xmlns:a="http://schemas.openxmlformats.org/drawingml/2006/main" xmlns:p="http://schemas.openxmlformats.org/presentationml/2006/main" xmlns:r="http://schemas.openxmlformats.org/officeDocument/2006/relationships" xmlns:p14="http://schemas.microsoft.com/office/powerpoint/2010/main" xmlns:p15="http://schemas.microsoft.com/office/powerpoint/2012/main" xmlns:mc="http://schemas.openxmlformats.org/markup-compatibility/2006" type="objOnly" preserve="1">
+<p:sldLayout xmlns:a="http://schemas.openxmlformats.org/drawingml/2006/main" xmlns:r="http://schemas.openxmlformats.org/officeDocument/2006/relationships" xmlns:p="http://schemas.openxmlformats.org/presentationml/2006/main" type="objOnly" preserve="1">
   <p:cSld name="Centered Text">
     <p:spTree>
       <p:nvGrpSpPr>
@@ -1727,12 +1877,13 @@
           </a:ln>
         </p:spPr>
         <p:txBody>
-          <a:bodyPr lIns="0" rIns="0" tIns="0" bIns="0" anchor="ctr">
+          <a:bodyPr lIns="0" tIns="0" rIns="0" bIns="0" anchor="ctr">
             <a:noAutofit/>
           </a:bodyPr>
+          <a:lstStyle/>
           <a:p>
             <a:pPr algn="ctr"/>
-            <a:endParaRPr b="0" lang="fr-FR" sz="3200" spc="-1" strike="noStrike">
+            <a:endParaRPr lang="fr-FR" sz="3200" b="0" strike="noStrike" spc="-1">
               <a:solidFill>
                 <a:srgbClr val="000000"/>
               </a:solidFill>
@@ -1754,6 +1905,7 @@
         <p:spPr/>
         <p:txBody>
           <a:bodyPr/>
+          <a:lstStyle/>
           <a:p>
             <a:r>
               <a:t>Footer</a:t>
@@ -1774,10 +1926,12 @@
         <p:spPr/>
         <p:txBody>
           <a:bodyPr/>
+          <a:lstStyle/>
           <a:p>
             <a:fld id="{1E005AD2-9868-44BF-A0C0-91F327E640F8}" type="slidenum">
-              <a:t>&lt;#&gt;</a:t>
+              <a:t>‹N°›</a:t>
             </a:fld>
+            <a:endParaRPr/>
           </a:p>
         </p:txBody>
       </p:sp>
@@ -1794,21 +1948,22 @@
         <p:spPr/>
         <p:txBody>
           <a:bodyPr/>
-          <a:p>
-            <a:r>
-              <a:rPr lang="fr-FR"/>
-              <a:t/>
-            </a:r>
+          <a:lstStyle/>
+          <a:p>
+            <a:endParaRPr/>
           </a:p>
         </p:txBody>
       </p:sp>
     </p:spTree>
   </p:cSld>
+  <p:clrMapOvr>
+    <a:masterClrMapping/>
+  </p:clrMapOvr>
 </p:sldLayout>
 </file>
 
 <file path=ppt/slideLayouts/slideLayout7.xml><?xml version="1.0" encoding="utf-8"?>
-<p:sldLayout xmlns:a="http://schemas.openxmlformats.org/drawingml/2006/main" xmlns:p="http://schemas.openxmlformats.org/presentationml/2006/main" xmlns:r="http://schemas.openxmlformats.org/officeDocument/2006/relationships" xmlns:p14="http://schemas.microsoft.com/office/powerpoint/2010/main" xmlns:p15="http://schemas.microsoft.com/office/powerpoint/2012/main" xmlns:mc="http://schemas.openxmlformats.org/markup-compatibility/2006" type="twoObjAndObj" preserve="1">
+<p:sldLayout xmlns:a="http://schemas.openxmlformats.org/drawingml/2006/main" xmlns:r="http://schemas.openxmlformats.org/officeDocument/2006/relationships" xmlns:p="http://schemas.openxmlformats.org/presentationml/2006/main" type="twoObjAndObj" preserve="1">
   <p:cSld name="Title, 2 Content and Content">
     <p:spTree>
       <p:nvGrpSpPr>
@@ -1848,14 +2003,15 @@
           </a:ln>
         </p:spPr>
         <p:txBody>
-          <a:bodyPr lIns="0" rIns="0" tIns="0" bIns="0" anchor="ctr">
+          <a:bodyPr lIns="0" tIns="0" rIns="0" bIns="0" anchor="ctr">
             <a:noAutofit/>
           </a:bodyPr>
+          <a:lstStyle/>
           <a:p>
             <a:pPr indent="0">
               <a:buNone/>
             </a:pPr>
-            <a:endParaRPr b="0" lang="fr-FR" sz="1800" spc="-1" strike="noStrike">
+            <a:endParaRPr lang="fr-FR" sz="1800" b="0" strike="noStrike" spc="-1">
               <a:solidFill>
                 <a:srgbClr val="000000"/>
               </a:solidFill>
@@ -1888,9 +2044,10 @@
           </a:ln>
         </p:spPr>
         <p:txBody>
-          <a:bodyPr lIns="0" rIns="0" tIns="0" bIns="0" anchor="t">
+          <a:bodyPr lIns="0" tIns="0" rIns="0" bIns="0" anchor="t">
             <a:normAutofit/>
           </a:bodyPr>
+          <a:lstStyle/>
           <a:p>
             <a:pPr indent="0">
               <a:lnSpc>
@@ -1901,7 +2058,7 @@
               </a:spcBef>
               <a:buNone/>
             </a:pPr>
-            <a:endParaRPr b="0" lang="fr-FR" sz="2800" spc="-1" strike="noStrike">
+            <a:endParaRPr lang="fr-FR" sz="2800" b="0" strike="noStrike" spc="-1">
               <a:solidFill>
                 <a:srgbClr val="000000"/>
               </a:solidFill>
@@ -1934,9 +2091,10 @@
           </a:ln>
         </p:spPr>
         <p:txBody>
-          <a:bodyPr lIns="0" rIns="0" tIns="0" bIns="0" anchor="t">
+          <a:bodyPr lIns="0" tIns="0" rIns="0" bIns="0" anchor="t">
             <a:normAutofit/>
           </a:bodyPr>
+          <a:lstStyle/>
           <a:p>
             <a:pPr indent="0">
               <a:lnSpc>
@@ -1947,7 +2105,7 @@
               </a:spcBef>
               <a:buNone/>
             </a:pPr>
-            <a:endParaRPr b="0" lang="fr-FR" sz="2800" spc="-1" strike="noStrike">
+            <a:endParaRPr lang="fr-FR" sz="2800" b="0" strike="noStrike" spc="-1">
               <a:solidFill>
                 <a:srgbClr val="000000"/>
               </a:solidFill>
@@ -1980,9 +2138,10 @@
           </a:ln>
         </p:spPr>
         <p:txBody>
-          <a:bodyPr lIns="0" rIns="0" tIns="0" bIns="0" anchor="t">
+          <a:bodyPr lIns="0" tIns="0" rIns="0" bIns="0" anchor="t">
             <a:normAutofit/>
           </a:bodyPr>
+          <a:lstStyle/>
           <a:p>
             <a:pPr indent="0">
               <a:lnSpc>
@@ -1993,7 +2152,7 @@
               </a:spcBef>
               <a:buNone/>
             </a:pPr>
-            <a:endParaRPr b="0" lang="fr-FR" sz="2800" spc="-1" strike="noStrike">
+            <a:endParaRPr lang="fr-FR" sz="2800" b="0" strike="noStrike" spc="-1">
               <a:solidFill>
                 <a:srgbClr val="000000"/>
               </a:solidFill>
@@ -2015,6 +2174,7 @@
         <p:spPr/>
         <p:txBody>
           <a:bodyPr/>
+          <a:lstStyle/>
           <a:p>
             <a:r>
               <a:t>Footer</a:t>
@@ -2035,10 +2195,12 @@
         <p:spPr/>
         <p:txBody>
           <a:bodyPr/>
+          <a:lstStyle/>
           <a:p>
             <a:fld id="{F9021DF6-1512-4315-9E40-12386904FAD8}" type="slidenum">
-              <a:t>&lt;#&gt;</a:t>
+              <a:t>‹N°›</a:t>
             </a:fld>
+            <a:endParaRPr/>
           </a:p>
         </p:txBody>
       </p:sp>
@@ -2055,21 +2217,22 @@
         <p:spPr/>
         <p:txBody>
           <a:bodyPr/>
-          <a:p>
-            <a:r>
-              <a:rPr lang="fr-FR"/>
-              <a:t/>
-            </a:r>
+          <a:lstStyle/>
+          <a:p>
+            <a:endParaRPr/>
           </a:p>
         </p:txBody>
       </p:sp>
     </p:spTree>
   </p:cSld>
+  <p:clrMapOvr>
+    <a:masterClrMapping/>
+  </p:clrMapOvr>
 </p:sldLayout>
 </file>
 
 <file path=ppt/slideLayouts/slideLayout8.xml><?xml version="1.0" encoding="utf-8"?>
-<p:sldLayout xmlns:a="http://schemas.openxmlformats.org/drawingml/2006/main" xmlns:p="http://schemas.openxmlformats.org/presentationml/2006/main" xmlns:r="http://schemas.openxmlformats.org/officeDocument/2006/relationships" xmlns:p14="http://schemas.microsoft.com/office/powerpoint/2010/main" xmlns:p15="http://schemas.microsoft.com/office/powerpoint/2012/main" xmlns:mc="http://schemas.openxmlformats.org/markup-compatibility/2006" type="objAndTwoObj" preserve="1">
+<p:sldLayout xmlns:a="http://schemas.openxmlformats.org/drawingml/2006/main" xmlns:r="http://schemas.openxmlformats.org/officeDocument/2006/relationships" xmlns:p="http://schemas.openxmlformats.org/presentationml/2006/main" type="objAndTwoObj" preserve="1">
   <p:cSld name="Title Content and 2 Content">
     <p:spTree>
       <p:nvGrpSpPr>
@@ -2109,14 +2272,15 @@
           </a:ln>
         </p:spPr>
         <p:txBody>
-          <a:bodyPr lIns="0" rIns="0" tIns="0" bIns="0" anchor="ctr">
+          <a:bodyPr lIns="0" tIns="0" rIns="0" bIns="0" anchor="ctr">
             <a:noAutofit/>
           </a:bodyPr>
+          <a:lstStyle/>
           <a:p>
             <a:pPr indent="0">
               <a:buNone/>
             </a:pPr>
-            <a:endParaRPr b="0" lang="fr-FR" sz="1800" spc="-1" strike="noStrike">
+            <a:endParaRPr lang="fr-FR" sz="1800" b="0" strike="noStrike" spc="-1">
               <a:solidFill>
                 <a:srgbClr val="000000"/>
               </a:solidFill>
@@ -2149,9 +2313,10 @@
           </a:ln>
         </p:spPr>
         <p:txBody>
-          <a:bodyPr lIns="0" rIns="0" tIns="0" bIns="0" anchor="t">
+          <a:bodyPr lIns="0" tIns="0" rIns="0" bIns="0" anchor="t">
             <a:normAutofit/>
           </a:bodyPr>
+          <a:lstStyle/>
           <a:p>
             <a:pPr indent="0">
               <a:lnSpc>
@@ -2162,7 +2327,7 @@
               </a:spcBef>
               <a:buNone/>
             </a:pPr>
-            <a:endParaRPr b="0" lang="fr-FR" sz="2800" spc="-1" strike="noStrike">
+            <a:endParaRPr lang="fr-FR" sz="2800" b="0" strike="noStrike" spc="-1">
               <a:solidFill>
                 <a:srgbClr val="000000"/>
               </a:solidFill>
@@ -2195,9 +2360,10 @@
           </a:ln>
         </p:spPr>
         <p:txBody>
-          <a:bodyPr lIns="0" rIns="0" tIns="0" bIns="0" anchor="t">
+          <a:bodyPr lIns="0" tIns="0" rIns="0" bIns="0" anchor="t">
             <a:normAutofit/>
           </a:bodyPr>
+          <a:lstStyle/>
           <a:p>
             <a:pPr indent="0">
               <a:lnSpc>
@@ -2208,7 +2374,7 @@
               </a:spcBef>
               <a:buNone/>
             </a:pPr>
-            <a:endParaRPr b="0" lang="fr-FR" sz="2800" spc="-1" strike="noStrike">
+            <a:endParaRPr lang="fr-FR" sz="2800" b="0" strike="noStrike" spc="-1">
               <a:solidFill>
                 <a:srgbClr val="000000"/>
               </a:solidFill>
@@ -2241,9 +2407,10 @@
           </a:ln>
         </p:spPr>
         <p:txBody>
-          <a:bodyPr lIns="0" rIns="0" tIns="0" bIns="0" anchor="t">
+          <a:bodyPr lIns="0" tIns="0" rIns="0" bIns="0" anchor="t">
             <a:normAutofit/>
           </a:bodyPr>
+          <a:lstStyle/>
           <a:p>
             <a:pPr indent="0">
               <a:lnSpc>
@@ -2254,7 +2421,7 @@
               </a:spcBef>
               <a:buNone/>
             </a:pPr>
-            <a:endParaRPr b="0" lang="fr-FR" sz="2800" spc="-1" strike="noStrike">
+            <a:endParaRPr lang="fr-FR" sz="2800" b="0" strike="noStrike" spc="-1">
               <a:solidFill>
                 <a:srgbClr val="000000"/>
               </a:solidFill>
@@ -2276,6 +2443,7 @@
         <p:spPr/>
         <p:txBody>
           <a:bodyPr/>
+          <a:lstStyle/>
           <a:p>
             <a:r>
               <a:t>Footer</a:t>
@@ -2296,10 +2464,12 @@
         <p:spPr/>
         <p:txBody>
           <a:bodyPr/>
+          <a:lstStyle/>
           <a:p>
             <a:fld id="{1770888C-A981-45E2-80ED-FBE386B16014}" type="slidenum">
-              <a:t>&lt;#&gt;</a:t>
+              <a:t>‹N°›</a:t>
             </a:fld>
+            <a:endParaRPr/>
           </a:p>
         </p:txBody>
       </p:sp>
@@ -2316,21 +2486,22 @@
         <p:spPr/>
         <p:txBody>
           <a:bodyPr/>
-          <a:p>
-            <a:r>
-              <a:rPr lang="fr-FR"/>
-              <a:t/>
-            </a:r>
+          <a:lstStyle/>
+          <a:p>
+            <a:endParaRPr/>
           </a:p>
         </p:txBody>
       </p:sp>
     </p:spTree>
   </p:cSld>
+  <p:clrMapOvr>
+    <a:masterClrMapping/>
+  </p:clrMapOvr>
 </p:sldLayout>
 </file>
 
 <file path=ppt/slideLayouts/slideLayout9.xml><?xml version="1.0" encoding="utf-8"?>
-<p:sldLayout xmlns:a="http://schemas.openxmlformats.org/drawingml/2006/main" xmlns:p="http://schemas.openxmlformats.org/presentationml/2006/main" xmlns:r="http://schemas.openxmlformats.org/officeDocument/2006/relationships" xmlns:p14="http://schemas.microsoft.com/office/powerpoint/2010/main" xmlns:p15="http://schemas.microsoft.com/office/powerpoint/2012/main" xmlns:mc="http://schemas.openxmlformats.org/markup-compatibility/2006" type="twoObjOverTx" preserve="1">
+<p:sldLayout xmlns:a="http://schemas.openxmlformats.org/drawingml/2006/main" xmlns:r="http://schemas.openxmlformats.org/officeDocument/2006/relationships" xmlns:p="http://schemas.openxmlformats.org/presentationml/2006/main" type="twoObjOverTx" preserve="1">
   <p:cSld name="Title, 2 Content over Content">
     <p:spTree>
       <p:nvGrpSpPr>
@@ -2370,14 +2541,15 @@
           </a:ln>
         </p:spPr>
         <p:txBody>
-          <a:bodyPr lIns="0" rIns="0" tIns="0" bIns="0" anchor="ctr">
+          <a:bodyPr lIns="0" tIns="0" rIns="0" bIns="0" anchor="ctr">
             <a:noAutofit/>
           </a:bodyPr>
+          <a:lstStyle/>
           <a:p>
             <a:pPr indent="0">
               <a:buNone/>
             </a:pPr>
-            <a:endParaRPr b="0" lang="fr-FR" sz="1800" spc="-1" strike="noStrike">
+            <a:endParaRPr lang="fr-FR" sz="1800" b="0" strike="noStrike" spc="-1">
               <a:solidFill>
                 <a:srgbClr val="000000"/>
               </a:solidFill>
@@ -2410,9 +2582,10 @@
           </a:ln>
         </p:spPr>
         <p:txBody>
-          <a:bodyPr lIns="0" rIns="0" tIns="0" bIns="0" anchor="t">
+          <a:bodyPr lIns="0" tIns="0" rIns="0" bIns="0" anchor="t">
             <a:normAutofit/>
           </a:bodyPr>
+          <a:lstStyle/>
           <a:p>
             <a:pPr indent="0">
               <a:lnSpc>
@@ -2423,7 +2596,7 @@
               </a:spcBef>
               <a:buNone/>
             </a:pPr>
-            <a:endParaRPr b="0" lang="fr-FR" sz="2800" spc="-1" strike="noStrike">
+            <a:endParaRPr lang="fr-FR" sz="2800" b="0" strike="noStrike" spc="-1">
               <a:solidFill>
                 <a:srgbClr val="000000"/>
               </a:solidFill>
@@ -2456,9 +2629,10 @@
           </a:ln>
         </p:spPr>
         <p:txBody>
-          <a:bodyPr lIns="0" rIns="0" tIns="0" bIns="0" anchor="t">
+          <a:bodyPr lIns="0" tIns="0" rIns="0" bIns="0" anchor="t">
             <a:normAutofit/>
           </a:bodyPr>
+          <a:lstStyle/>
           <a:p>
             <a:pPr indent="0">
               <a:lnSpc>
@@ -2469,7 +2643,7 @@
               </a:spcBef>
               <a:buNone/>
             </a:pPr>
-            <a:endParaRPr b="0" lang="fr-FR" sz="2800" spc="-1" strike="noStrike">
+            <a:endParaRPr lang="fr-FR" sz="2800" b="0" strike="noStrike" spc="-1">
               <a:solidFill>
                 <a:srgbClr val="000000"/>
               </a:solidFill>
@@ -2502,9 +2676,10 @@
           </a:ln>
         </p:spPr>
         <p:txBody>
-          <a:bodyPr lIns="0" rIns="0" tIns="0" bIns="0" anchor="t">
+          <a:bodyPr lIns="0" tIns="0" rIns="0" bIns="0" anchor="t">
             <a:normAutofit/>
           </a:bodyPr>
+          <a:lstStyle/>
           <a:p>
             <a:pPr indent="0">
               <a:lnSpc>
@@ -2515,7 +2690,7 @@
               </a:spcBef>
               <a:buNone/>
             </a:pPr>
-            <a:endParaRPr b="0" lang="fr-FR" sz="2800" spc="-1" strike="noStrike">
+            <a:endParaRPr lang="fr-FR" sz="2800" b="0" strike="noStrike" spc="-1">
               <a:solidFill>
                 <a:srgbClr val="000000"/>
               </a:solidFill>
@@ -2537,6 +2712,7 @@
         <p:spPr/>
         <p:txBody>
           <a:bodyPr/>
+          <a:lstStyle/>
           <a:p>
             <a:r>
               <a:t>Footer</a:t>
@@ -2557,10 +2733,12 @@
         <p:spPr/>
         <p:txBody>
           <a:bodyPr/>
+          <a:lstStyle/>
           <a:p>
             <a:fld id="{53B85876-5E41-4487-99E7-960F5EDB21EF}" type="slidenum">
-              <a:t>&lt;#&gt;</a:t>
+              <a:t>‹N°›</a:t>
             </a:fld>
+            <a:endParaRPr/>
           </a:p>
         </p:txBody>
       </p:sp>
@@ -2577,27 +2755,29 @@
         <p:spPr/>
         <p:txBody>
           <a:bodyPr/>
-          <a:p>
-            <a:r>
-              <a:rPr lang="fr-FR"/>
-              <a:t/>
-            </a:r>
+          <a:lstStyle/>
+          <a:p>
+            <a:endParaRPr/>
           </a:p>
         </p:txBody>
       </p:sp>
     </p:spTree>
   </p:cSld>
+  <p:clrMapOvr>
+    <a:masterClrMapping/>
+  </p:clrMapOvr>
 </p:sldLayout>
 </file>
 
 <file path=ppt/slideMasters/slideMaster1.xml><?xml version="1.0" encoding="utf-8"?>
-<p:sldMaster xmlns:a="http://schemas.openxmlformats.org/drawingml/2006/main" xmlns:p="http://schemas.openxmlformats.org/presentationml/2006/main" xmlns:r="http://schemas.openxmlformats.org/officeDocument/2006/relationships" xmlns:p14="http://schemas.microsoft.com/office/powerpoint/2010/main" xmlns:p15="http://schemas.microsoft.com/office/powerpoint/2012/main" xmlns:mc="http://schemas.openxmlformats.org/markup-compatibility/2006">
+<p:sldMaster xmlns:a="http://schemas.openxmlformats.org/drawingml/2006/main" xmlns:r="http://schemas.openxmlformats.org/officeDocument/2006/relationships" xmlns:p="http://schemas.openxmlformats.org/presentationml/2006/main">
   <p:cSld>
     <p:bg>
       <p:bgPr>
         <a:solidFill>
-          <a:srgbClr val="ffffff"/>
+          <a:srgbClr val="FFFFFF"/>
         </a:solidFill>
+        <a:effectLst/>
       </p:bgPr>
     </p:bg>
     <p:spTree>
@@ -2616,7 +2796,7 @@
       </p:grpSpPr>
       <p:sp>
         <p:nvSpPr>
-          <p:cNvPr id="0" name="PlaceHolder 1"/>
+          <p:cNvPr id="4" name="PlaceHolder 1"/>
           <p:cNvSpPr>
             <a:spLocks noGrp="1"/>
           </p:cNvSpPr>
@@ -2641,6 +2821,7 @@
           <a:bodyPr anchor="b">
             <a:noAutofit/>
           </a:bodyPr>
+          <a:lstStyle/>
           <a:p>
             <a:pPr indent="0" algn="ctr">
               <a:lnSpc>
@@ -2649,7 +2830,7 @@
               <a:buNone/>
             </a:pPr>
             <a:r>
-              <a:rPr b="0" lang="fr-FR" sz="6000" spc="-1" strike="noStrike">
+              <a:rPr lang="fr-FR" sz="6000" b="0" strike="noStrike" spc="-1">
                 <a:solidFill>
                   <a:srgbClr val="000000"/>
                 </a:solidFill>
@@ -2657,7 +2838,7 @@
               </a:rPr>
               <a:t>Modifiez le style du titre</a:t>
             </a:r>
-            <a:endParaRPr b="0" lang="fr-FR" sz="6000" spc="-1" strike="noStrike">
+            <a:endParaRPr lang="fr-FR" sz="6000" b="0" strike="noStrike" spc="-1">
               <a:solidFill>
                 <a:srgbClr val="000000"/>
               </a:solidFill>
@@ -2668,7 +2849,7 @@
       </p:sp>
       <p:sp>
         <p:nvSpPr>
-          <p:cNvPr id="1" name="PlaceHolder 2"/>
+          <p:cNvPr id="5" name="PlaceHolder 2"/>
           <p:cNvSpPr>
             <a:spLocks noGrp="1"/>
           </p:cNvSpPr>
@@ -2699,9 +2880,9 @@
                 <a:spcPct val="100000"/>
               </a:lnSpc>
               <a:buNone/>
-              <a:defRPr b="0" lang="fr-FR" sz="1200" spc="-1" strike="noStrike">
+              <a:defRPr lang="fr-FR" sz="1200" b="0" strike="noStrike" spc="-1">
                 <a:solidFill>
-                  <a:srgbClr val="8b8b8b"/>
+                  <a:srgbClr val="8B8B8B"/>
                 </a:solidFill>
                 <a:latin typeface="Calibri"/>
               </a:defRPr>
@@ -2715,15 +2896,15 @@
               <a:buNone/>
             </a:pPr>
             <a:r>
-              <a:rPr b="0" lang="fr-FR" sz="1200" spc="-1" strike="noStrike">
+              <a:rPr lang="fr-FR" sz="1200" b="0" strike="noStrike" spc="-1">
                 <a:solidFill>
-                  <a:srgbClr val="8b8b8b"/>
+                  <a:srgbClr val="8B8B8B"/>
                 </a:solidFill>
                 <a:latin typeface="Calibri"/>
               </a:rPr>
               <a:t>&lt;date/heure&gt;</a:t>
             </a:r>
-            <a:endParaRPr b="0" lang="fr-FR" sz="1200" spc="-1" strike="noStrike">
+            <a:endParaRPr lang="fr-FR" sz="1200" b="0" strike="noStrike" spc="-1">
               <a:solidFill>
                 <a:srgbClr val="000000"/>
               </a:solidFill>
@@ -2762,7 +2943,7 @@
           <a:lstStyle>
             <a:lvl1pPr indent="0" algn="ctr">
               <a:buNone/>
-              <a:defRPr b="0" lang="fr-FR" sz="1400" spc="-1" strike="noStrike">
+              <a:defRPr lang="fr-FR" sz="1400" b="0" strike="noStrike" spc="-1">
                 <a:solidFill>
                   <a:srgbClr val="000000"/>
                 </a:solidFill>
@@ -2775,7 +2956,7 @@
               <a:buNone/>
             </a:pPr>
             <a:r>
-              <a:rPr b="0" lang="fr-FR" sz="1400" spc="-1" strike="noStrike">
+              <a:rPr lang="fr-FR" sz="1400" b="0" strike="noStrike" spc="-1">
                 <a:solidFill>
                   <a:srgbClr val="000000"/>
                 </a:solidFill>
@@ -2783,12 +2964,6 @@
               </a:rPr>
               <a:t>&lt;pied de page&gt;</a:t>
             </a:r>
-            <a:endParaRPr b="0" lang="fr-FR" sz="1400" spc="-1" strike="noStrike">
-              <a:solidFill>
-                <a:srgbClr val="000000"/>
-              </a:solidFill>
-              <a:latin typeface="Times New Roman"/>
-            </a:endParaRPr>
           </a:p>
         </p:txBody>
       </p:sp>
@@ -2825,9 +3000,9 @@
                 <a:spcPct val="100000"/>
               </a:lnSpc>
               <a:buNone/>
-              <a:defRPr b="0" lang="fr-FR" sz="1200" spc="-1" strike="noStrike">
+              <a:defRPr lang="fr-FR" sz="1200" b="0" strike="noStrike" spc="-1">
                 <a:solidFill>
-                  <a:srgbClr val="8b8b8b"/>
+                  <a:srgbClr val="8B8B8B"/>
                 </a:solidFill>
                 <a:latin typeface="Calibri"/>
               </a:defRPr>
@@ -2841,15 +3016,15 @@
               <a:buNone/>
             </a:pPr>
             <a:fld id="{BFB0B95C-E9B7-4E58-B3B9-66BE877012A5}" type="slidenum">
-              <a:rPr b="0" lang="fr-FR" sz="1200" spc="-1" strike="noStrike">
+              <a:rPr lang="fr-FR" sz="1200" b="0" strike="noStrike" spc="-1">
                 <a:solidFill>
-                  <a:srgbClr val="8b8b8b"/>
+                  <a:srgbClr val="8B8B8B"/>
                 </a:solidFill>
                 <a:latin typeface="Calibri"/>
               </a:rPr>
-              <a:t>&lt;numéro&gt;</a:t>
+              <a:t>‹N°›</a:t>
             </a:fld>
-            <a:endParaRPr b="0" lang="fr-FR" sz="1200" spc="-1" strike="noStrike">
+            <a:endParaRPr lang="fr-FR" sz="1200" b="0" strike="noStrike" spc="-1">
               <a:solidFill>
                 <a:srgbClr val="000000"/>
               </a:solidFill>
@@ -2860,26 +3035,306 @@
       </p:sp>
     </p:spTree>
   </p:cSld>
-  <p:clrMap bg1="lt1" bg2="lt2" tx1="dk1" tx2="dk2" accent1="accent1" accent2="accent2" accent3="accent3" accent4="accent4" accent5="accent5" accent6="accent6" hlink="hlink" folHlink="folHlink"/>
+  <p:clrMap bg1="lt1" tx1="dk1" bg2="lt2" tx2="dk2" accent1="accent1" accent2="accent2" accent3="accent3" accent4="accent4" accent5="accent5" accent6="accent6" hlink="hlink" folHlink="folHlink"/>
   <p:sldLayoutIdLst>
-    <p:sldLayoutId id="2147483649" r:id="rId2"/>
-    <p:sldLayoutId id="2147483650" r:id="rId3"/>
-    <p:sldLayoutId id="2147483651" r:id="rId4"/>
-    <p:sldLayoutId id="2147483652" r:id="rId5"/>
-    <p:sldLayoutId id="2147483653" r:id="rId6"/>
-    <p:sldLayoutId id="2147483654" r:id="rId7"/>
-    <p:sldLayoutId id="2147483655" r:id="rId8"/>
-    <p:sldLayoutId id="2147483656" r:id="rId9"/>
-    <p:sldLayoutId id="2147483657" r:id="rId10"/>
-    <p:sldLayoutId id="2147483658" r:id="rId11"/>
-    <p:sldLayoutId id="2147483659" r:id="rId12"/>
-    <p:sldLayoutId id="2147483660" r:id="rId13"/>
+    <p:sldLayoutId id="2147483649" r:id="rId1"/>
+    <p:sldLayoutId id="2147483650" r:id="rId2"/>
+    <p:sldLayoutId id="2147483651" r:id="rId3"/>
+    <p:sldLayoutId id="2147483652" r:id="rId4"/>
+    <p:sldLayoutId id="2147483653" r:id="rId5"/>
+    <p:sldLayoutId id="2147483654" r:id="rId6"/>
+    <p:sldLayoutId id="2147483655" r:id="rId7"/>
+    <p:sldLayoutId id="2147483656" r:id="rId8"/>
+    <p:sldLayoutId id="2147483657" r:id="rId9"/>
+    <p:sldLayoutId id="2147483658" r:id="rId10"/>
+    <p:sldLayoutId id="2147483659" r:id="rId11"/>
+    <p:sldLayoutId id="2147483660" r:id="rId12"/>
   </p:sldLayoutIdLst>
+  <p:txStyles>
+    <p:titleStyle>
+      <a:lvl1pPr algn="l" defTabSz="914400" rtl="0" eaLnBrk="1" latinLnBrk="0" hangingPunct="1">
+        <a:lnSpc>
+          <a:spcPct val="90000"/>
+        </a:lnSpc>
+        <a:spcBef>
+          <a:spcPct val="0"/>
+        </a:spcBef>
+        <a:buNone/>
+        <a:defRPr sz="4400" kern="1200">
+          <a:solidFill>
+            <a:schemeClr val="tx1"/>
+          </a:solidFill>
+          <a:latin typeface="+mj-lt"/>
+          <a:ea typeface="+mj-ea"/>
+          <a:cs typeface="+mj-cs"/>
+        </a:defRPr>
+      </a:lvl1pPr>
+    </p:titleStyle>
+    <p:bodyStyle>
+      <a:lvl1pPr marL="228600" indent="-228600" algn="l" defTabSz="914400" rtl="0" eaLnBrk="1" latinLnBrk="0" hangingPunct="1">
+        <a:lnSpc>
+          <a:spcPct val="90000"/>
+        </a:lnSpc>
+        <a:spcBef>
+          <a:spcPts val="1000"/>
+        </a:spcBef>
+        <a:buFont typeface="Arial" panose="020B0604020202020204" pitchFamily="34" charset="0"/>
+        <a:buChar char="•"/>
+        <a:defRPr sz="2800" kern="1200">
+          <a:solidFill>
+            <a:schemeClr val="tx1"/>
+          </a:solidFill>
+          <a:latin typeface="+mn-lt"/>
+          <a:ea typeface="+mn-ea"/>
+          <a:cs typeface="+mn-cs"/>
+        </a:defRPr>
+      </a:lvl1pPr>
+      <a:lvl2pPr marL="685800" indent="-228600" algn="l" defTabSz="914400" rtl="0" eaLnBrk="1" latinLnBrk="0" hangingPunct="1">
+        <a:lnSpc>
+          <a:spcPct val="90000"/>
+        </a:lnSpc>
+        <a:spcBef>
+          <a:spcPts val="500"/>
+        </a:spcBef>
+        <a:buFont typeface="Arial" panose="020B0604020202020204" pitchFamily="34" charset="0"/>
+        <a:buChar char="•"/>
+        <a:defRPr sz="2400" kern="1200">
+          <a:solidFill>
+            <a:schemeClr val="tx1"/>
+          </a:solidFill>
+          <a:latin typeface="+mn-lt"/>
+          <a:ea typeface="+mn-ea"/>
+          <a:cs typeface="+mn-cs"/>
+        </a:defRPr>
+      </a:lvl2pPr>
+      <a:lvl3pPr marL="1143000" indent="-228600" algn="l" defTabSz="914400" rtl="0" eaLnBrk="1" latinLnBrk="0" hangingPunct="1">
+        <a:lnSpc>
+          <a:spcPct val="90000"/>
+        </a:lnSpc>
+        <a:spcBef>
+          <a:spcPts val="500"/>
+        </a:spcBef>
+        <a:buFont typeface="Arial" panose="020B0604020202020204" pitchFamily="34" charset="0"/>
+        <a:buChar char="•"/>
+        <a:defRPr sz="2000" kern="1200">
+          <a:solidFill>
+            <a:schemeClr val="tx1"/>
+          </a:solidFill>
+          <a:latin typeface="+mn-lt"/>
+          <a:ea typeface="+mn-ea"/>
+          <a:cs typeface="+mn-cs"/>
+        </a:defRPr>
+      </a:lvl3pPr>
+      <a:lvl4pPr marL="1600200" indent="-228600" algn="l" defTabSz="914400" rtl="0" eaLnBrk="1" latinLnBrk="0" hangingPunct="1">
+        <a:lnSpc>
+          <a:spcPct val="90000"/>
+        </a:lnSpc>
+        <a:spcBef>
+          <a:spcPts val="500"/>
+        </a:spcBef>
+        <a:buFont typeface="Arial" panose="020B0604020202020204" pitchFamily="34" charset="0"/>
+        <a:buChar char="•"/>
+        <a:defRPr sz="1800" kern="1200">
+          <a:solidFill>
+            <a:schemeClr val="tx1"/>
+          </a:solidFill>
+          <a:latin typeface="+mn-lt"/>
+          <a:ea typeface="+mn-ea"/>
+          <a:cs typeface="+mn-cs"/>
+        </a:defRPr>
+      </a:lvl4pPr>
+      <a:lvl5pPr marL="2057400" indent="-228600" algn="l" defTabSz="914400" rtl="0" eaLnBrk="1" latinLnBrk="0" hangingPunct="1">
+        <a:lnSpc>
+          <a:spcPct val="90000"/>
+        </a:lnSpc>
+        <a:spcBef>
+          <a:spcPts val="500"/>
+        </a:spcBef>
+        <a:buFont typeface="Arial" panose="020B0604020202020204" pitchFamily="34" charset="0"/>
+        <a:buChar char="•"/>
+        <a:defRPr sz="1800" kern="1200">
+          <a:solidFill>
+            <a:schemeClr val="tx1"/>
+          </a:solidFill>
+          <a:latin typeface="+mn-lt"/>
+          <a:ea typeface="+mn-ea"/>
+          <a:cs typeface="+mn-cs"/>
+        </a:defRPr>
+      </a:lvl5pPr>
+      <a:lvl6pPr marL="2514600" indent="-228600" algn="l" defTabSz="914400" rtl="0" eaLnBrk="1" latinLnBrk="0" hangingPunct="1">
+        <a:lnSpc>
+          <a:spcPct val="90000"/>
+        </a:lnSpc>
+        <a:spcBef>
+          <a:spcPts val="500"/>
+        </a:spcBef>
+        <a:buFont typeface="Arial" panose="020B0604020202020204" pitchFamily="34" charset="0"/>
+        <a:buChar char="•"/>
+        <a:defRPr sz="1800" kern="1200">
+          <a:solidFill>
+            <a:schemeClr val="tx1"/>
+          </a:solidFill>
+          <a:latin typeface="+mn-lt"/>
+          <a:ea typeface="+mn-ea"/>
+          <a:cs typeface="+mn-cs"/>
+        </a:defRPr>
+      </a:lvl6pPr>
+      <a:lvl7pPr marL="2971800" indent="-228600" algn="l" defTabSz="914400" rtl="0" eaLnBrk="1" latinLnBrk="0" hangingPunct="1">
+        <a:lnSpc>
+          <a:spcPct val="90000"/>
+        </a:lnSpc>
+        <a:spcBef>
+          <a:spcPts val="500"/>
+        </a:spcBef>
+        <a:buFont typeface="Arial" panose="020B0604020202020204" pitchFamily="34" charset="0"/>
+        <a:buChar char="•"/>
+        <a:defRPr sz="1800" kern="1200">
+          <a:solidFill>
+            <a:schemeClr val="tx1"/>
+          </a:solidFill>
+          <a:latin typeface="+mn-lt"/>
+          <a:ea typeface="+mn-ea"/>
+          <a:cs typeface="+mn-cs"/>
+        </a:defRPr>
+      </a:lvl7pPr>
+      <a:lvl8pPr marL="3429000" indent="-228600" algn="l" defTabSz="914400" rtl="0" eaLnBrk="1" latinLnBrk="0" hangingPunct="1">
+        <a:lnSpc>
+          <a:spcPct val="90000"/>
+        </a:lnSpc>
+        <a:spcBef>
+          <a:spcPts val="500"/>
+        </a:spcBef>
+        <a:buFont typeface="Arial" panose="020B0604020202020204" pitchFamily="34" charset="0"/>
+        <a:buChar char="•"/>
+        <a:defRPr sz="1800" kern="1200">
+          <a:solidFill>
+            <a:schemeClr val="tx1"/>
+          </a:solidFill>
+          <a:latin typeface="+mn-lt"/>
+          <a:ea typeface="+mn-ea"/>
+          <a:cs typeface="+mn-cs"/>
+        </a:defRPr>
+      </a:lvl8pPr>
+      <a:lvl9pPr marL="3886200" indent="-228600" algn="l" defTabSz="914400" rtl="0" eaLnBrk="1" latinLnBrk="0" hangingPunct="1">
+        <a:lnSpc>
+          <a:spcPct val="90000"/>
+        </a:lnSpc>
+        <a:spcBef>
+          <a:spcPts val="500"/>
+        </a:spcBef>
+        <a:buFont typeface="Arial" panose="020B0604020202020204" pitchFamily="34" charset="0"/>
+        <a:buChar char="•"/>
+        <a:defRPr sz="1800" kern="1200">
+          <a:solidFill>
+            <a:schemeClr val="tx1"/>
+          </a:solidFill>
+          <a:latin typeface="+mn-lt"/>
+          <a:ea typeface="+mn-ea"/>
+          <a:cs typeface="+mn-cs"/>
+        </a:defRPr>
+      </a:lvl9pPr>
+    </p:bodyStyle>
+    <p:otherStyle>
+      <a:defPPr>
+        <a:defRPr lang="fr-FR"/>
+      </a:defPPr>
+      <a:lvl1pPr marL="0" algn="l" defTabSz="914400" rtl="0" eaLnBrk="1" latinLnBrk="0" hangingPunct="1">
+        <a:defRPr sz="1800" kern="1200">
+          <a:solidFill>
+            <a:schemeClr val="tx1"/>
+          </a:solidFill>
+          <a:latin typeface="+mn-lt"/>
+          <a:ea typeface="+mn-ea"/>
+          <a:cs typeface="+mn-cs"/>
+        </a:defRPr>
+      </a:lvl1pPr>
+      <a:lvl2pPr marL="457200" algn="l" defTabSz="914400" rtl="0" eaLnBrk="1" latinLnBrk="0" hangingPunct="1">
+        <a:defRPr sz="1800" kern="1200">
+          <a:solidFill>
+            <a:schemeClr val="tx1"/>
+          </a:solidFill>
+          <a:latin typeface="+mn-lt"/>
+          <a:ea typeface="+mn-ea"/>
+          <a:cs typeface="+mn-cs"/>
+        </a:defRPr>
+      </a:lvl2pPr>
+      <a:lvl3pPr marL="914400" algn="l" defTabSz="914400" rtl="0" eaLnBrk="1" latinLnBrk="0" hangingPunct="1">
+        <a:defRPr sz="1800" kern="1200">
+          <a:solidFill>
+            <a:schemeClr val="tx1"/>
+          </a:solidFill>
+          <a:latin typeface="+mn-lt"/>
+          <a:ea typeface="+mn-ea"/>
+          <a:cs typeface="+mn-cs"/>
+        </a:defRPr>
+      </a:lvl3pPr>
+      <a:lvl4pPr marL="1371600" algn="l" defTabSz="914400" rtl="0" eaLnBrk="1" latinLnBrk="0" hangingPunct="1">
+        <a:defRPr sz="1800" kern="1200">
+          <a:solidFill>
+            <a:schemeClr val="tx1"/>
+          </a:solidFill>
+          <a:latin typeface="+mn-lt"/>
+          <a:ea typeface="+mn-ea"/>
+          <a:cs typeface="+mn-cs"/>
+        </a:defRPr>
+      </a:lvl4pPr>
+      <a:lvl5pPr marL="1828800" algn="l" defTabSz="914400" rtl="0" eaLnBrk="1" latinLnBrk="0" hangingPunct="1">
+        <a:defRPr sz="1800" kern="1200">
+          <a:solidFill>
+            <a:schemeClr val="tx1"/>
+          </a:solidFill>
+          <a:latin typeface="+mn-lt"/>
+          <a:ea typeface="+mn-ea"/>
+          <a:cs typeface="+mn-cs"/>
+        </a:defRPr>
+      </a:lvl5pPr>
+      <a:lvl6pPr marL="2286000" algn="l" defTabSz="914400" rtl="0" eaLnBrk="1" latinLnBrk="0" hangingPunct="1">
+        <a:defRPr sz="1800" kern="1200">
+          <a:solidFill>
+            <a:schemeClr val="tx1"/>
+          </a:solidFill>
+          <a:latin typeface="+mn-lt"/>
+          <a:ea typeface="+mn-ea"/>
+          <a:cs typeface="+mn-cs"/>
+        </a:defRPr>
+      </a:lvl6pPr>
+      <a:lvl7pPr marL="2743200" algn="l" defTabSz="914400" rtl="0" eaLnBrk="1" latinLnBrk="0" hangingPunct="1">
+        <a:defRPr sz="1800" kern="1200">
+          <a:solidFill>
+            <a:schemeClr val="tx1"/>
+          </a:solidFill>
+          <a:latin typeface="+mn-lt"/>
+          <a:ea typeface="+mn-ea"/>
+          <a:cs typeface="+mn-cs"/>
+        </a:defRPr>
+      </a:lvl7pPr>
+      <a:lvl8pPr marL="3200400" algn="l" defTabSz="914400" rtl="0" eaLnBrk="1" latinLnBrk="0" hangingPunct="1">
+        <a:defRPr sz="1800" kern="1200">
+          <a:solidFill>
+            <a:schemeClr val="tx1"/>
+          </a:solidFill>
+          <a:latin typeface="+mn-lt"/>
+          <a:ea typeface="+mn-ea"/>
+          <a:cs typeface="+mn-cs"/>
+        </a:defRPr>
+      </a:lvl8pPr>
+      <a:lvl9pPr marL="3657600" algn="l" defTabSz="914400" rtl="0" eaLnBrk="1" latinLnBrk="0" hangingPunct="1">
+        <a:defRPr sz="1800" kern="1200">
+          <a:solidFill>
+            <a:schemeClr val="tx1"/>
+          </a:solidFill>
+          <a:latin typeface="+mn-lt"/>
+          <a:ea typeface="+mn-ea"/>
+          <a:cs typeface="+mn-cs"/>
+        </a:defRPr>
+      </a:lvl9pPr>
+    </p:otherStyle>
+  </p:txStyles>
 </p:sldMaster>
 </file>
 
 <file path=ppt/slides/slide1.xml><?xml version="1.0" encoding="utf-8"?>
-<p:sld xmlns:a="http://schemas.openxmlformats.org/drawingml/2006/main" xmlns:p="http://schemas.openxmlformats.org/presentationml/2006/main" xmlns:r="http://schemas.openxmlformats.org/officeDocument/2006/relationships" xmlns:p14="http://schemas.microsoft.com/office/powerpoint/2010/main" xmlns:p15="http://schemas.microsoft.com/office/powerpoint/2012/main" xmlns:mc="http://schemas.openxmlformats.org/markup-compatibility/2006">
+<p:sld xmlns:a="http://schemas.openxmlformats.org/drawingml/2006/main" xmlns:r="http://schemas.openxmlformats.org/officeDocument/2006/relationships" xmlns:p="http://schemas.openxmlformats.org/presentationml/2006/main">
   <p:cSld>
     <p:spTree>
       <p:nvGrpSpPr>
@@ -2898,20 +3353,22 @@
       <p:cxnSp>
         <p:nvCxnSpPr>
           <p:cNvPr id="40" name="Connecteur droit 12"/>
-          <p:cNvCxnSpPr/>
+          <p:cNvCxnSpPr>
+            <a:cxnSpLocks/>
+          </p:cNvCxnSpPr>
           <p:nvPr/>
         </p:nvCxnSpPr>
         <p:spPr>
           <a:xfrm>
-            <a:off x="6095880" y="662400"/>
-            <a:ext cx="360" cy="5537880"/>
+            <a:off x="6095906" y="1428854"/>
+            <a:ext cx="334" cy="4771426"/>
           </a:xfrm>
           <a:prstGeom prst="straightConnector1">
             <a:avLst/>
           </a:prstGeom>
           <a:ln>
             <a:solidFill>
-              <a:srgbClr val="4472c4"/>
+              <a:srgbClr val="4472C4"/>
             </a:solidFill>
           </a:ln>
         </p:spPr>
@@ -2919,20 +3376,22 @@
       <p:cxnSp>
         <p:nvCxnSpPr>
           <p:cNvPr id="41" name="Connecteur droit 17"/>
-          <p:cNvCxnSpPr/>
+          <p:cNvCxnSpPr>
+            <a:cxnSpLocks/>
+          </p:cNvCxnSpPr>
           <p:nvPr/>
         </p:nvCxnSpPr>
         <p:spPr>
           <a:xfrm flipH="1">
-            <a:off x="2939040" y="3429000"/>
-            <a:ext cx="6531840" cy="360"/>
+            <a:off x="2939040" y="3429050"/>
+            <a:ext cx="471819" cy="310"/>
           </a:xfrm>
           <a:prstGeom prst="straightConnector1">
             <a:avLst/>
           </a:prstGeom>
           <a:ln>
             <a:solidFill>
-              <a:srgbClr val="4472c4"/>
+              <a:srgbClr val="4472C4"/>
             </a:solidFill>
           </a:ln>
         </p:spPr>
@@ -2945,8 +3404,8 @@
         </p:nvSpPr>
         <p:spPr>
           <a:xfrm>
-            <a:off x="2240640" y="473040"/>
-            <a:ext cx="1397160" cy="363960"/>
+            <a:off x="2341562" y="523413"/>
+            <a:ext cx="1195316" cy="644877"/>
           </a:xfrm>
           <a:prstGeom prst="rect">
             <a:avLst/>
@@ -2957,15 +3416,22 @@
           </a:ln>
         </p:spPr>
         <p:style>
-          <a:lnRef idx="0"/>
-          <a:fillRef idx="0"/>
-          <a:effectRef idx="0"/>
+          <a:lnRef idx="0">
+            <a:scrgbClr r="0" g="0" b="0"/>
+          </a:lnRef>
+          <a:fillRef idx="0">
+            <a:scrgbClr r="0" g="0" b="0"/>
+          </a:fillRef>
+          <a:effectRef idx="0">
+            <a:scrgbClr r="0" g="0" b="0"/>
+          </a:effectRef>
           <a:fontRef idx="minor"/>
         </p:style>
         <p:txBody>
-          <a:bodyPr wrap="none" lIns="90000" rIns="90000" tIns="45000" bIns="45000" anchor="t">
+          <a:bodyPr wrap="square" lIns="90000" tIns="45000" rIns="90000" bIns="45000" anchor="t">
             <a:spAutoFit/>
           </a:bodyPr>
+          <a:lstStyle/>
           <a:p>
             <a:pPr>
               <a:lnSpc>
@@ -2973,7 +3439,7 @@
               </a:lnSpc>
             </a:pPr>
             <a:r>
-              <a:rPr b="1" lang="fr-FR" sz="1800" spc="-1" strike="noStrike" u="sng">
+              <a:rPr lang="fr-FR" sz="1800" b="1" u="sng" strike="noStrike" spc="-1">
                 <a:solidFill>
                   <a:srgbClr val="000000"/>
                 </a:solidFill>
@@ -2982,7 +3448,7 @@
               </a:rPr>
               <a:t>Must Have</a:t>
             </a:r>
-            <a:endParaRPr b="0" lang="fr-FR" sz="1800" spc="-1" strike="noStrike">
+            <a:endParaRPr lang="fr-FR" sz="1800" b="0" strike="noStrike" spc="-1">
               <a:solidFill>
                 <a:srgbClr val="000000"/>
               </a:solidFill>
@@ -2999,8 +3465,8 @@
         </p:nvSpPr>
         <p:spPr>
           <a:xfrm>
-            <a:off x="8454240" y="473040"/>
-            <a:ext cx="1603080" cy="363960"/>
+            <a:off x="8570036" y="523413"/>
+            <a:ext cx="1371488" cy="367878"/>
           </a:xfrm>
           <a:prstGeom prst="rect">
             <a:avLst/>
@@ -3011,15 +3477,22 @@
           </a:ln>
         </p:spPr>
         <p:style>
-          <a:lnRef idx="0"/>
-          <a:fillRef idx="0"/>
-          <a:effectRef idx="0"/>
+          <a:lnRef idx="0">
+            <a:scrgbClr r="0" g="0" b="0"/>
+          </a:lnRef>
+          <a:fillRef idx="0">
+            <a:scrgbClr r="0" g="0" b="0"/>
+          </a:fillRef>
+          <a:effectRef idx="0">
+            <a:scrgbClr r="0" g="0" b="0"/>
+          </a:effectRef>
           <a:fontRef idx="minor"/>
         </p:style>
         <p:txBody>
-          <a:bodyPr wrap="none" lIns="90000" rIns="90000" tIns="45000" bIns="45000" anchor="t">
+          <a:bodyPr wrap="square" lIns="90000" tIns="45000" rIns="90000" bIns="45000" anchor="t">
             <a:spAutoFit/>
           </a:bodyPr>
+          <a:lstStyle/>
           <a:p>
             <a:pPr>
               <a:lnSpc>
@@ -3027,16 +3500,26 @@
               </a:lnSpc>
             </a:pPr>
             <a:r>
-              <a:rPr b="1" lang="fr-FR" sz="1800" spc="-1" strike="noStrike" u="sng">
+              <a:rPr lang="fr-FR" sz="1800" b="1" u="sng" strike="noStrike" spc="-1" dirty="0" err="1">
                 <a:solidFill>
                   <a:srgbClr val="000000"/>
                 </a:solidFill>
                 <a:uFillTx/>
                 <a:latin typeface="Calibri"/>
               </a:rPr>
-              <a:t>Should Have</a:t>
+              <a:t>Should</a:t>
             </a:r>
-            <a:endParaRPr b="0" lang="fr-FR" sz="1800" spc="-1" strike="noStrike">
+            <a:r>
+              <a:rPr lang="fr-FR" sz="1800" b="1" u="sng" strike="noStrike" spc="-1" dirty="0">
+                <a:solidFill>
+                  <a:srgbClr val="000000"/>
+                </a:solidFill>
+                <a:uFillTx/>
+                <a:latin typeface="Calibri"/>
+              </a:rPr>
+              <a:t> Have</a:t>
+            </a:r>
+            <a:endParaRPr lang="fr-FR" sz="1800" b="0" strike="noStrike" spc="-1" dirty="0">
               <a:solidFill>
                 <a:srgbClr val="000000"/>
               </a:solidFill>
@@ -3053,8 +3536,8 @@
         </p:nvSpPr>
         <p:spPr>
           <a:xfrm>
-            <a:off x="2203200" y="3429000"/>
-            <a:ext cx="1472040" cy="363960"/>
+            <a:off x="2309531" y="3479373"/>
+            <a:ext cx="1259378" cy="367878"/>
           </a:xfrm>
           <a:prstGeom prst="rect">
             <a:avLst/>
@@ -3065,15 +3548,22 @@
           </a:ln>
         </p:spPr>
         <p:style>
-          <a:lnRef idx="0"/>
-          <a:fillRef idx="0"/>
-          <a:effectRef idx="0"/>
+          <a:lnRef idx="0">
+            <a:scrgbClr r="0" g="0" b="0"/>
+          </a:lnRef>
+          <a:fillRef idx="0">
+            <a:scrgbClr r="0" g="0" b="0"/>
+          </a:fillRef>
+          <a:effectRef idx="0">
+            <a:scrgbClr r="0" g="0" b="0"/>
+          </a:effectRef>
           <a:fontRef idx="minor"/>
         </p:style>
         <p:txBody>
-          <a:bodyPr wrap="none" lIns="90000" rIns="90000" tIns="45000" bIns="45000" anchor="t">
+          <a:bodyPr wrap="square" lIns="90000" tIns="45000" rIns="90000" bIns="45000" anchor="t">
             <a:spAutoFit/>
           </a:bodyPr>
+          <a:lstStyle/>
           <a:p>
             <a:pPr>
               <a:lnSpc>
@@ -3081,7 +3571,7 @@
               </a:lnSpc>
             </a:pPr>
             <a:r>
-              <a:rPr b="1" lang="fr-FR" sz="1800" spc="-1" strike="noStrike" u="sng">
+              <a:rPr lang="fr-FR" sz="1800" b="1" u="sng" strike="noStrike" spc="-1">
                 <a:solidFill>
                   <a:srgbClr val="000000"/>
                 </a:solidFill>
@@ -3090,7 +3580,7 @@
               </a:rPr>
               <a:t>Could Have</a:t>
             </a:r>
-            <a:endParaRPr b="0" lang="fr-FR" sz="1800" spc="-1" strike="noStrike">
+            <a:endParaRPr lang="fr-FR" sz="1800" b="0" strike="noStrike" spc="-1">
               <a:solidFill>
                 <a:srgbClr val="000000"/>
               </a:solidFill>
@@ -3107,8 +3597,8 @@
         </p:nvSpPr>
         <p:spPr>
           <a:xfrm>
-            <a:off x="8516160" y="3439080"/>
-            <a:ext cx="1473480" cy="363960"/>
+            <a:off x="8622595" y="3489453"/>
+            <a:ext cx="1260610" cy="644877"/>
           </a:xfrm>
           <a:prstGeom prst="rect">
             <a:avLst/>
@@ -3119,15 +3609,22 @@
           </a:ln>
         </p:spPr>
         <p:style>
-          <a:lnRef idx="0"/>
-          <a:fillRef idx="0"/>
-          <a:effectRef idx="0"/>
+          <a:lnRef idx="0">
+            <a:scrgbClr r="0" g="0" b="0"/>
+          </a:lnRef>
+          <a:fillRef idx="0">
+            <a:scrgbClr r="0" g="0" b="0"/>
+          </a:fillRef>
+          <a:effectRef idx="0">
+            <a:scrgbClr r="0" g="0" b="0"/>
+          </a:effectRef>
           <a:fontRef idx="minor"/>
         </p:style>
         <p:txBody>
-          <a:bodyPr wrap="none" lIns="90000" rIns="90000" tIns="45000" bIns="45000" anchor="t">
+          <a:bodyPr wrap="square" lIns="90000" tIns="45000" rIns="90000" bIns="45000" anchor="t">
             <a:spAutoFit/>
           </a:bodyPr>
+          <a:lstStyle/>
           <a:p>
             <a:pPr>
               <a:lnSpc>
@@ -3135,16 +3632,26 @@
               </a:lnSpc>
             </a:pPr>
             <a:r>
-              <a:rPr b="1" lang="fr-FR" sz="1800" spc="-1" strike="noStrike" u="sng">
+              <a:rPr lang="fr-FR" sz="1800" b="1" u="sng" strike="noStrike" spc="-1" dirty="0" err="1">
                 <a:solidFill>
                   <a:srgbClr val="000000"/>
                 </a:solidFill>
                 <a:uFillTx/>
                 <a:latin typeface="Calibri"/>
               </a:rPr>
-              <a:t>Won’t Have</a:t>
+              <a:t>Won’t</a:t>
             </a:r>
-            <a:endParaRPr b="0" lang="fr-FR" sz="1800" spc="-1" strike="noStrike">
+            <a:r>
+              <a:rPr lang="fr-FR" sz="1800" b="1" u="sng" strike="noStrike" spc="-1" dirty="0">
+                <a:solidFill>
+                  <a:srgbClr val="000000"/>
+                </a:solidFill>
+                <a:uFillTx/>
+                <a:latin typeface="Calibri"/>
+              </a:rPr>
+              <a:t> Have</a:t>
+            </a:r>
+            <a:endParaRPr lang="fr-FR" sz="1800" b="0" strike="noStrike" spc="-1" dirty="0">
               <a:solidFill>
                 <a:srgbClr val="000000"/>
               </a:solidFill>
@@ -3161,8 +3668,8 @@
         </p:nvSpPr>
         <p:spPr>
           <a:xfrm>
-            <a:off x="662400" y="981720"/>
-            <a:ext cx="5122080" cy="2284200"/>
+            <a:off x="1032387" y="1297858"/>
+            <a:ext cx="4382106" cy="2306870"/>
           </a:xfrm>
           <a:prstGeom prst="rect">
             <a:avLst/>
@@ -3173,15 +3680,22 @@
           </a:ln>
         </p:spPr>
         <p:style>
-          <a:lnRef idx="0"/>
-          <a:fillRef idx="0"/>
-          <a:effectRef idx="0"/>
+          <a:lnRef idx="0">
+            <a:scrgbClr r="0" g="0" b="0"/>
+          </a:lnRef>
+          <a:fillRef idx="0">
+            <a:scrgbClr r="0" g="0" b="0"/>
+          </a:fillRef>
+          <a:effectRef idx="0">
+            <a:scrgbClr r="0" g="0" b="0"/>
+          </a:effectRef>
           <a:fontRef idx="minor"/>
         </p:style>
         <p:txBody>
-          <a:bodyPr lIns="90000" rIns="90000" tIns="45000" bIns="45000" anchor="t">
+          <a:bodyPr wrap="square" lIns="90000" tIns="45000" rIns="90000" bIns="45000" anchor="t">
             <a:spAutoFit/>
           </a:bodyPr>
+          <a:lstStyle/>
           <a:p>
             <a:pPr marL="285840" indent="-285840">
               <a:lnSpc>
@@ -3194,7 +3708,7 @@
               <a:buChar char="-"/>
             </a:pPr>
             <a:r>
-              <a:rPr b="0" lang="fr-FR" sz="1800" spc="-1" strike="noStrike">
+              <a:rPr lang="fr-FR" sz="1800" b="0" strike="noStrike" spc="-1" dirty="0">
                 <a:solidFill>
                   <a:srgbClr val="000000"/>
                 </a:solidFill>
@@ -3202,7 +3716,7 @@
               </a:rPr>
               <a:t>Machine de Turing capable au moins de faire l’addition de 2 nombres</a:t>
             </a:r>
-            <a:endParaRPr b="0" lang="fr-FR" sz="1800" spc="-1" strike="noStrike">
+            <a:endParaRPr lang="fr-FR" sz="1800" b="0" strike="noStrike" spc="-1" dirty="0">
               <a:solidFill>
                 <a:srgbClr val="000000"/>
               </a:solidFill>
@@ -3221,7 +3735,7 @@
               <a:buChar char="-"/>
             </a:pPr>
             <a:r>
-              <a:rPr b="0" lang="fr-FR" sz="1800" spc="-1" strike="noStrike">
+              <a:rPr lang="fr-FR" sz="1800" b="0" strike="noStrike" spc="-1" dirty="0">
                 <a:solidFill>
                   <a:srgbClr val="000000"/>
                 </a:solidFill>
@@ -3229,7 +3743,7 @@
               </a:rPr>
               <a:t>Mode continu/pas à pas pour l'exécution du programme</a:t>
             </a:r>
-            <a:endParaRPr b="0" lang="fr-FR" sz="1800" spc="-1" strike="noStrike">
+            <a:endParaRPr lang="fr-FR" sz="1800" b="0" strike="noStrike" spc="-1" dirty="0">
               <a:solidFill>
                 <a:srgbClr val="000000"/>
               </a:solidFill>
@@ -3248,7 +3762,7 @@
               <a:buChar char="-"/>
             </a:pPr>
             <a:r>
-              <a:rPr b="0" lang="fr-FR" sz="1800" spc="-1" strike="noStrike">
+              <a:rPr lang="fr-FR" sz="1800" b="0" strike="noStrike" spc="-1" dirty="0">
                 <a:solidFill>
                   <a:srgbClr val="000000"/>
                 </a:solidFill>
@@ -3256,7 +3770,7 @@
               </a:rPr>
               <a:t>Affichage de l'état du ruban</a:t>
             </a:r>
-            <a:endParaRPr b="0" lang="fr-FR" sz="1800" spc="-1" strike="noStrike">
+            <a:endParaRPr lang="fr-FR" sz="1800" b="0" strike="noStrike" spc="-1" dirty="0">
               <a:solidFill>
                 <a:srgbClr val="000000"/>
               </a:solidFill>
@@ -3275,7 +3789,7 @@
               <a:buChar char="-"/>
             </a:pPr>
             <a:r>
-              <a:rPr b="0" lang="fr-FR" sz="1800" spc="-1" strike="noStrike">
+              <a:rPr lang="fr-FR" sz="1800" b="0" strike="noStrike" spc="-1" dirty="0">
                 <a:solidFill>
                   <a:srgbClr val="000000"/>
                 </a:solidFill>
@@ -3283,7 +3797,7 @@
               </a:rPr>
               <a:t>Affichage de la position de la tête de lecture</a:t>
             </a:r>
-            <a:endParaRPr b="0" lang="fr-FR" sz="1800" spc="-1" strike="noStrike">
+            <a:endParaRPr lang="fr-FR" sz="1800" b="0" strike="noStrike" spc="-1" dirty="0">
               <a:solidFill>
                 <a:srgbClr val="000000"/>
               </a:solidFill>
@@ -3302,7 +3816,7 @@
               <a:buChar char="-"/>
             </a:pPr>
             <a:r>
-              <a:rPr b="0" lang="fr-FR" sz="1800" spc="-1" strike="noStrike">
+              <a:rPr lang="fr-FR" sz="1800" b="0" strike="noStrike" spc="-1" dirty="0">
                 <a:solidFill>
                   <a:srgbClr val="000000"/>
                 </a:solidFill>
@@ -3310,7 +3824,7 @@
               </a:rPr>
               <a:t>Gérer l'affichage de la table de transition</a:t>
             </a:r>
-            <a:endParaRPr b="0" lang="fr-FR" sz="1800" spc="-1" strike="noStrike">
+            <a:endParaRPr lang="fr-FR" sz="1800" b="0" strike="noStrike" spc="-1" dirty="0">
               <a:solidFill>
                 <a:srgbClr val="000000"/>
               </a:solidFill>
@@ -3327,8 +3841,8 @@
         </p:nvSpPr>
         <p:spPr>
           <a:xfrm>
-            <a:off x="6095880" y="976680"/>
-            <a:ext cx="4915440" cy="1461240"/>
+            <a:off x="6450941" y="1178919"/>
+            <a:ext cx="4205318" cy="1752872"/>
           </a:xfrm>
           <a:prstGeom prst="rect">
             <a:avLst/>
@@ -3339,15 +3853,22 @@
           </a:ln>
         </p:spPr>
         <p:style>
-          <a:lnRef idx="0"/>
-          <a:fillRef idx="0"/>
-          <a:effectRef idx="0"/>
+          <a:lnRef idx="0">
+            <a:scrgbClr r="0" g="0" b="0"/>
+          </a:lnRef>
+          <a:fillRef idx="0">
+            <a:scrgbClr r="0" g="0" b="0"/>
+          </a:fillRef>
+          <a:effectRef idx="0">
+            <a:scrgbClr r="0" g="0" b="0"/>
+          </a:effectRef>
           <a:fontRef idx="minor"/>
         </p:style>
         <p:txBody>
-          <a:bodyPr lIns="90000" rIns="90000" tIns="45000" bIns="45000" anchor="t">
+          <a:bodyPr wrap="square" lIns="90000" tIns="45000" rIns="90000" bIns="45000" anchor="t">
             <a:spAutoFit/>
           </a:bodyPr>
+          <a:lstStyle/>
           <a:p>
             <a:pPr marL="285840" indent="-285840">
               <a:lnSpc>
@@ -3360,7 +3881,7 @@
               <a:buChar char="-"/>
             </a:pPr>
             <a:r>
-              <a:rPr b="0" lang="fr-FR" sz="1800" spc="-1" strike="noStrike">
+              <a:rPr lang="fr-FR" sz="1800" b="0" strike="noStrike" spc="-1" dirty="0">
                 <a:solidFill>
                   <a:srgbClr val="000000"/>
                 </a:solidFill>
@@ -3368,7 +3889,7 @@
               </a:rPr>
               <a:t>La possibilité de sélectionner un programme via un menu</a:t>
             </a:r>
-            <a:endParaRPr b="0" lang="fr-FR" sz="1800" spc="-1" strike="noStrike">
+            <a:endParaRPr lang="fr-FR" sz="1800" b="0" strike="noStrike" spc="-1" dirty="0">
               <a:solidFill>
                 <a:srgbClr val="000000"/>
               </a:solidFill>
@@ -3387,7 +3908,7 @@
               <a:buChar char="-"/>
             </a:pPr>
             <a:r>
-              <a:rPr b="0" lang="fr-FR" sz="1800" spc="-1" strike="noStrike">
+              <a:rPr lang="fr-FR" sz="1800" b="0" strike="noStrike" spc="-1" dirty="0">
                 <a:solidFill>
                   <a:srgbClr val="000000"/>
                 </a:solidFill>
@@ -3395,7 +3916,7 @@
               </a:rPr>
               <a:t>Stockage des programmes à sélectionner</a:t>
             </a:r>
-            <a:endParaRPr b="0" lang="fr-FR" sz="1800" spc="-1" strike="noStrike">
+            <a:endParaRPr lang="fr-FR" sz="1800" b="0" strike="noStrike" spc="-1" dirty="0">
               <a:solidFill>
                 <a:srgbClr val="000000"/>
               </a:solidFill>
@@ -3414,7 +3935,7 @@
               <a:buChar char="-"/>
             </a:pPr>
             <a:r>
-              <a:rPr b="0" lang="fr-FR" sz="1800" spc="-1" strike="noStrike">
+              <a:rPr lang="fr-FR" sz="1800" b="0" strike="noStrike" spc="-1" dirty="0">
                 <a:solidFill>
                   <a:srgbClr val="000000"/>
                 </a:solidFill>
@@ -3422,7 +3943,7 @@
               </a:rPr>
               <a:t>Initialisation manuelle du ruban et de la position de la tête de lecture.</a:t>
             </a:r>
-            <a:endParaRPr b="0" lang="fr-FR" sz="1800" spc="-1" strike="noStrike">
+            <a:endParaRPr lang="fr-FR" sz="1800" b="0" strike="noStrike" spc="-1" dirty="0">
               <a:solidFill>
                 <a:srgbClr val="000000"/>
               </a:solidFill>
@@ -3439,8 +3960,8 @@
         </p:nvSpPr>
         <p:spPr>
           <a:xfrm>
-            <a:off x="662400" y="4026240"/>
-            <a:ext cx="5215320" cy="2009880"/>
+            <a:off x="1039122" y="4304412"/>
+            <a:ext cx="4461876" cy="2029871"/>
           </a:xfrm>
           <a:prstGeom prst="rect">
             <a:avLst/>
@@ -3451,15 +3972,22 @@
           </a:ln>
         </p:spPr>
         <p:style>
-          <a:lnRef idx="0"/>
-          <a:fillRef idx="0"/>
-          <a:effectRef idx="0"/>
+          <a:lnRef idx="0">
+            <a:scrgbClr r="0" g="0" b="0"/>
+          </a:lnRef>
+          <a:fillRef idx="0">
+            <a:scrgbClr r="0" g="0" b="0"/>
+          </a:fillRef>
+          <a:effectRef idx="0">
+            <a:scrgbClr r="0" g="0" b="0"/>
+          </a:effectRef>
           <a:fontRef idx="minor"/>
         </p:style>
         <p:txBody>
-          <a:bodyPr lIns="90000" rIns="90000" tIns="45000" bIns="45000" anchor="t">
+          <a:bodyPr wrap="square" lIns="90000" tIns="45000" rIns="90000" bIns="45000" anchor="t">
             <a:spAutoFit/>
           </a:bodyPr>
+          <a:lstStyle/>
           <a:p>
             <a:pPr marL="285840" indent="-285840">
               <a:lnSpc>
@@ -3472,7 +4000,7 @@
               <a:buChar char="-"/>
             </a:pPr>
             <a:r>
-              <a:rPr b="0" lang="fr-FR" sz="1800" spc="-1" strike="noStrike">
+              <a:rPr lang="fr-FR" sz="1800" b="0" strike="noStrike" spc="-1" dirty="0">
                 <a:solidFill>
                   <a:srgbClr val="000000"/>
                 </a:solidFill>
@@ -3480,7 +4008,7 @@
               </a:rPr>
               <a:t>Programmation directement sur la machine d'une table de transition</a:t>
             </a:r>
-            <a:endParaRPr b="0" lang="fr-FR" sz="1800" spc="-1" strike="noStrike">
+            <a:endParaRPr lang="fr-FR" sz="1800" b="0" strike="noStrike" spc="-1" dirty="0">
               <a:solidFill>
                 <a:srgbClr val="000000"/>
               </a:solidFill>
@@ -3499,7 +4027,7 @@
               <a:buChar char="-"/>
             </a:pPr>
             <a:r>
-              <a:rPr b="0" lang="fr-FR" sz="1800" spc="-1" strike="noStrike">
+              <a:rPr lang="fr-FR" sz="1800" b="0" strike="noStrike" spc="-1" dirty="0">
                 <a:solidFill>
                   <a:srgbClr val="000000"/>
                 </a:solidFill>
@@ -3507,7 +4035,7 @@
               </a:rPr>
               <a:t>Enregistrement de la table de transition programmée dans le support de stockage</a:t>
             </a:r>
-            <a:endParaRPr b="0" lang="fr-FR" sz="1800" spc="-1" strike="noStrike">
+            <a:endParaRPr lang="fr-FR" sz="1800" b="0" strike="noStrike" spc="-1" dirty="0">
               <a:solidFill>
                 <a:srgbClr val="000000"/>
               </a:solidFill>
@@ -3526,7 +4054,7 @@
               <a:buChar char="-"/>
             </a:pPr>
             <a:r>
-              <a:rPr b="0" lang="fr-FR" sz="1800" spc="-1" strike="noStrike">
+              <a:rPr lang="fr-FR" sz="1800" b="0" strike="noStrike" spc="-1" dirty="0">
                 <a:solidFill>
                   <a:srgbClr val="000000"/>
                 </a:solidFill>
@@ -3534,7 +4062,7 @@
               </a:rPr>
               <a:t>Reset de la programmation de la ligne en cours</a:t>
             </a:r>
-            <a:endParaRPr b="0" lang="fr-FR" sz="1800" spc="-1" strike="noStrike">
+            <a:endParaRPr lang="fr-FR" sz="1800" b="0" strike="noStrike" spc="-1" dirty="0">
               <a:solidFill>
                 <a:srgbClr val="000000"/>
               </a:solidFill>
@@ -3553,7 +4081,7 @@
               <a:buChar char="-"/>
             </a:pPr>
             <a:r>
-              <a:rPr b="0" lang="fr-FR" sz="1800" spc="-1" strike="noStrike">
+              <a:rPr lang="fr-FR" sz="1800" b="0" strike="noStrike" spc="-1" dirty="0">
                 <a:solidFill>
                   <a:srgbClr val="000000"/>
                 </a:solidFill>
@@ -3561,7 +4089,7 @@
               </a:rPr>
               <a:t>Affichage d'une description du programme</a:t>
             </a:r>
-            <a:endParaRPr b="0" lang="fr-FR" sz="1800" spc="-1" strike="noStrike">
+            <a:endParaRPr lang="fr-FR" sz="1800" b="0" strike="noStrike" spc="-1" dirty="0">
               <a:solidFill>
                 <a:srgbClr val="000000"/>
               </a:solidFill>
@@ -3572,14 +4100,9 @@
       </p:sp>
     </p:spTree>
   </p:cSld>
-  <mc:AlternateContent>
-    <mc:Choice Requires="p14">
-      <p:transition spd="slow" p14:dur="2000"/>
-    </mc:Choice>
-    <mc:Fallback>
-      <p:transition spd="slow"/>
-    </mc:Fallback>
-  </mc:AlternateContent>
+  <p:clrMapOvr>
+    <a:masterClrMapping/>
+  </p:clrMapOvr>
 </p:sld>
 </file>
 
@@ -3591,37 +4114,37 @@
         <a:srgbClr val="000000"/>
       </a:dk1>
       <a:lt1>
-        <a:srgbClr val="ffffff"/>
+        <a:srgbClr val="FFFFFF"/>
       </a:lt1>
       <a:dk2>
-        <a:srgbClr val="44546a"/>
+        <a:srgbClr val="44546A"/>
       </a:dk2>
       <a:lt2>
-        <a:srgbClr val="e7e6e6"/>
+        <a:srgbClr val="E7E6E6"/>
       </a:lt2>
       <a:accent1>
-        <a:srgbClr val="4472c4"/>
+        <a:srgbClr val="4472C4"/>
       </a:accent1>
       <a:accent2>
-        <a:srgbClr val="ed7d31"/>
+        <a:srgbClr val="ED7D31"/>
       </a:accent2>
       <a:accent3>
-        <a:srgbClr val="a5a5a5"/>
+        <a:srgbClr val="A5A5A5"/>
       </a:accent3>
       <a:accent4>
-        <a:srgbClr val="ffc000"/>
+        <a:srgbClr val="FFC000"/>
       </a:accent4>
       <a:accent5>
-        <a:srgbClr val="5b9bd5"/>
+        <a:srgbClr val="5B9BD5"/>
       </a:accent5>
       <a:accent6>
-        <a:srgbClr val="70ad47"/>
+        <a:srgbClr val="70AD47"/>
       </a:accent6>
       <a:hlink>
-        <a:srgbClr val="0563c1"/>
+        <a:srgbClr val="0563C1"/>
       </a:hlink>
       <a:folHlink>
-        <a:srgbClr val="954f72"/>
+        <a:srgbClr val="954F72"/>
       </a:folHlink>
     </a:clrScheme>
     <a:fontScheme name="Office">
@@ -3794,5 +4317,7 @@
       </a:bgFillStyleLst>
     </a:fmtScheme>
   </a:themeElements>
+  <a:objectDefaults/>
+  <a:extraClrSchemeLst/>
 </a:theme>
 </file>